--- a/精雕实验室/数字化示范工厂/数字化示范工厂.pptx
+++ b/精雕实验室/数字化示范工厂/数字化示范工厂.pptx
@@ -6,6 +6,7 @@
   </p:sldMasterIdLst>
   <p:sldIdLst>
     <p:sldId id="256" r:id="rId2"/>
+    <p:sldId id="257" r:id="rId3"/>
   </p:sldIdLst>
   <p:sldSz cx="9144000" cy="6858000" type="screen4x3"/>
   <p:notesSz cx="6858000" cy="9144000"/>
@@ -288,7 +289,7 @@
           <a:p>
             <a:fld id="{B0DF8ED1-346A-E940-881F-AA0B60CC3682}" type="datetimeFigureOut">
               <a:rPr lang="en-US" smtClean="0"/>
-              <a:t>9/25/15</a:t>
+              <a:t>15/9/28</a:t>
             </a:fld>
             <a:endParaRPr lang="en-US"/>
           </a:p>
@@ -458,7 +459,7 @@
           <a:p>
             <a:fld id="{B0DF8ED1-346A-E940-881F-AA0B60CC3682}" type="datetimeFigureOut">
               <a:rPr lang="en-US" smtClean="0"/>
-              <a:t>9/25/15</a:t>
+              <a:t>15/9/28</a:t>
             </a:fld>
             <a:endParaRPr lang="en-US"/>
           </a:p>
@@ -638,7 +639,7 @@
           <a:p>
             <a:fld id="{B0DF8ED1-346A-E940-881F-AA0B60CC3682}" type="datetimeFigureOut">
               <a:rPr lang="en-US" smtClean="0"/>
-              <a:t>9/25/15</a:t>
+              <a:t>15/9/28</a:t>
             </a:fld>
             <a:endParaRPr lang="en-US"/>
           </a:p>
@@ -808,7 +809,7 @@
           <a:p>
             <a:fld id="{B0DF8ED1-346A-E940-881F-AA0B60CC3682}" type="datetimeFigureOut">
               <a:rPr lang="en-US" smtClean="0"/>
-              <a:t>9/25/15</a:t>
+              <a:t>15/9/28</a:t>
             </a:fld>
             <a:endParaRPr lang="en-US"/>
           </a:p>
@@ -1054,7 +1055,7 @@
           <a:p>
             <a:fld id="{B0DF8ED1-346A-E940-881F-AA0B60CC3682}" type="datetimeFigureOut">
               <a:rPr lang="en-US" smtClean="0"/>
-              <a:t>9/25/15</a:t>
+              <a:t>15/9/28</a:t>
             </a:fld>
             <a:endParaRPr lang="en-US"/>
           </a:p>
@@ -1342,7 +1343,7 @@
           <a:p>
             <a:fld id="{B0DF8ED1-346A-E940-881F-AA0B60CC3682}" type="datetimeFigureOut">
               <a:rPr lang="en-US" smtClean="0"/>
-              <a:t>9/25/15</a:t>
+              <a:t>15/9/28</a:t>
             </a:fld>
             <a:endParaRPr lang="en-US"/>
           </a:p>
@@ -1764,7 +1765,7 @@
           <a:p>
             <a:fld id="{B0DF8ED1-346A-E940-881F-AA0B60CC3682}" type="datetimeFigureOut">
               <a:rPr lang="en-US" smtClean="0"/>
-              <a:t>9/25/15</a:t>
+              <a:t>15/9/28</a:t>
             </a:fld>
             <a:endParaRPr lang="en-US"/>
           </a:p>
@@ -1882,7 +1883,7 @@
           <a:p>
             <a:fld id="{B0DF8ED1-346A-E940-881F-AA0B60CC3682}" type="datetimeFigureOut">
               <a:rPr lang="en-US" smtClean="0"/>
-              <a:t>9/25/15</a:t>
+              <a:t>15/9/28</a:t>
             </a:fld>
             <a:endParaRPr lang="en-US"/>
           </a:p>
@@ -1977,7 +1978,7 @@
           <a:p>
             <a:fld id="{B0DF8ED1-346A-E940-881F-AA0B60CC3682}" type="datetimeFigureOut">
               <a:rPr lang="en-US" smtClean="0"/>
-              <a:t>9/25/15</a:t>
+              <a:t>15/9/28</a:t>
             </a:fld>
             <a:endParaRPr lang="en-US"/>
           </a:p>
@@ -2254,7 +2255,7 @@
           <a:p>
             <a:fld id="{B0DF8ED1-346A-E940-881F-AA0B60CC3682}" type="datetimeFigureOut">
               <a:rPr lang="en-US" smtClean="0"/>
-              <a:t>9/25/15</a:t>
+              <a:t>15/9/28</a:t>
             </a:fld>
             <a:endParaRPr lang="en-US"/>
           </a:p>
@@ -2507,7 +2508,7 @@
           <a:p>
             <a:fld id="{B0DF8ED1-346A-E940-881F-AA0B60CC3682}" type="datetimeFigureOut">
               <a:rPr lang="en-US" smtClean="0"/>
-              <a:t>9/25/15</a:t>
+              <a:t>15/9/28</a:t>
             </a:fld>
             <a:endParaRPr lang="en-US"/>
           </a:p>
@@ -2720,7 +2721,7 @@
           <a:p>
             <a:fld id="{B0DF8ED1-346A-E940-881F-AA0B60CC3682}" type="datetimeFigureOut">
               <a:rPr lang="en-US" smtClean="0"/>
-              <a:t>9/25/15</a:t>
+              <a:t>15/9/28</a:t>
             </a:fld>
             <a:endParaRPr lang="en-US"/>
           </a:p>
@@ -3716,18 +3717,7 @@
                 <a:ea typeface="黑体"/>
                 <a:cs typeface="黑体"/>
               </a:rPr>
-              <a:t>精密制造系统</a:t>
-            </a:r>
-            <a:r>
-              <a:rPr lang="zh-CN" altLang="en-US" sz="1600" dirty="0" smtClean="0">
-                <a:solidFill>
-                  <a:srgbClr val="000000"/>
-                </a:solidFill>
-                <a:latin typeface="黑体"/>
-                <a:ea typeface="黑体"/>
-                <a:cs typeface="黑体"/>
-              </a:rPr>
-              <a:t>（筹）</a:t>
+              <a:t>精密制造系统（筹）</a:t>
             </a:r>
             <a:endParaRPr lang="en-US" sz="1600" dirty="0">
               <a:solidFill>
@@ -4647,6 +4637,1819 @@
     <p:extLst>
       <p:ext uri="{BB962C8B-B14F-4D97-AF65-F5344CB8AC3E}">
         <p14:creationId xmlns:p14="http://schemas.microsoft.com/office/powerpoint/2010/main" val="1084915056"/>
+      </p:ext>
+    </p:extLst>
+  </p:cSld>
+  <p:clrMapOvr>
+    <a:masterClrMapping/>
+  </p:clrMapOvr>
+</p:sld>
+</file>
+
+<file path=ppt/slides/slide2.xml><?xml version="1.0" encoding="utf-8"?>
+<p:sld xmlns:a="http://schemas.openxmlformats.org/drawingml/2006/main" xmlns:r="http://schemas.openxmlformats.org/officeDocument/2006/relationships" xmlns:p="http://schemas.openxmlformats.org/presentationml/2006/main">
+  <p:cSld>
+    <p:spTree>
+      <p:nvGrpSpPr>
+        <p:cNvPr id="1" name=""/>
+        <p:cNvGrpSpPr/>
+        <p:nvPr/>
+      </p:nvGrpSpPr>
+      <p:grpSpPr>
+        <a:xfrm>
+          <a:off x="0" y="0"/>
+          <a:ext cx="0" cy="0"/>
+          <a:chOff x="0" y="0"/>
+          <a:chExt cx="0" cy="0"/>
+        </a:xfrm>
+      </p:grpSpPr>
+      <p:sp>
+        <p:nvSpPr>
+          <p:cNvPr id="64" name="Rounded Rectangle 63"/>
+          <p:cNvSpPr/>
+          <p:nvPr/>
+        </p:nvSpPr>
+        <p:spPr>
+          <a:xfrm>
+            <a:off x="254000" y="278190"/>
+            <a:ext cx="8744857" cy="6434666"/>
+          </a:xfrm>
+          <a:prstGeom prst="roundRect">
+            <a:avLst>
+              <a:gd name="adj" fmla="val 2005"/>
+            </a:avLst>
+          </a:prstGeom>
+          <a:solidFill>
+            <a:schemeClr val="bg1">
+              <a:lumMod val="65000"/>
+            </a:schemeClr>
+          </a:solidFill>
+          <a:ln>
+            <a:solidFill>
+              <a:schemeClr val="tx1"/>
+            </a:solidFill>
+          </a:ln>
+          <a:effectLst/>
+        </p:spPr>
+        <p:style>
+          <a:lnRef idx="1">
+            <a:schemeClr val="accent1"/>
+          </a:lnRef>
+          <a:fillRef idx="3">
+            <a:schemeClr val="accent1"/>
+          </a:fillRef>
+          <a:effectRef idx="2">
+            <a:schemeClr val="accent1"/>
+          </a:effectRef>
+          <a:fontRef idx="minor">
+            <a:schemeClr val="lt1"/>
+          </a:fontRef>
+        </p:style>
+        <p:txBody>
+          <a:bodyPr rtlCol="0" anchor="t"/>
+          <a:lstStyle/>
+          <a:p>
+            <a:endParaRPr lang="en-US" dirty="0">
+              <a:solidFill>
+                <a:srgbClr val="000000"/>
+              </a:solidFill>
+              <a:latin typeface="黑体"/>
+              <a:ea typeface="黑体"/>
+              <a:cs typeface="黑体"/>
+            </a:endParaRPr>
+          </a:p>
+        </p:txBody>
+      </p:sp>
+      <p:sp>
+        <p:nvSpPr>
+          <p:cNvPr id="39" name="Rounded Rectangle 63"/>
+          <p:cNvSpPr/>
+          <p:nvPr/>
+        </p:nvSpPr>
+        <p:spPr>
+          <a:xfrm>
+            <a:off x="2081198" y="1330707"/>
+            <a:ext cx="5097086" cy="1979998"/>
+          </a:xfrm>
+          <a:prstGeom prst="roundRect">
+            <a:avLst>
+              <a:gd name="adj" fmla="val 2005"/>
+            </a:avLst>
+          </a:prstGeom>
+          <a:solidFill>
+            <a:schemeClr val="bg1">
+              <a:lumMod val="75000"/>
+            </a:schemeClr>
+          </a:solidFill>
+          <a:ln>
+            <a:solidFill>
+              <a:schemeClr val="tx1"/>
+            </a:solidFill>
+          </a:ln>
+          <a:effectLst/>
+        </p:spPr>
+        <p:style>
+          <a:lnRef idx="1">
+            <a:schemeClr val="accent1"/>
+          </a:lnRef>
+          <a:fillRef idx="3">
+            <a:schemeClr val="accent1"/>
+          </a:fillRef>
+          <a:effectRef idx="2">
+            <a:schemeClr val="accent1"/>
+          </a:effectRef>
+          <a:fontRef idx="minor">
+            <a:schemeClr val="lt1"/>
+          </a:fontRef>
+        </p:style>
+        <p:txBody>
+          <a:bodyPr rtlCol="0" anchor="ctr"/>
+          <a:lstStyle/>
+          <a:p>
+            <a:r>
+              <a:rPr lang="zh-CN" altLang="en-US" dirty="0" smtClean="0">
+                <a:solidFill>
+                  <a:srgbClr val="000000"/>
+                </a:solidFill>
+                <a:latin typeface="黑体"/>
+                <a:ea typeface="黑体"/>
+                <a:cs typeface="黑体"/>
+              </a:rPr>
+              <a:t>系统数据分析</a:t>
+            </a:r>
+            <a:endParaRPr lang="en-US" dirty="0">
+              <a:solidFill>
+                <a:srgbClr val="000000"/>
+              </a:solidFill>
+              <a:latin typeface="黑体"/>
+              <a:ea typeface="黑体"/>
+              <a:cs typeface="黑体"/>
+            </a:endParaRPr>
+          </a:p>
+        </p:txBody>
+      </p:sp>
+      <p:sp>
+        <p:nvSpPr>
+          <p:cNvPr id="4" name="Rounded Rectangle 3"/>
+          <p:cNvSpPr/>
+          <p:nvPr/>
+        </p:nvSpPr>
+        <p:spPr>
+          <a:xfrm>
+            <a:off x="489451" y="4668762"/>
+            <a:ext cx="1152000" cy="576000"/>
+          </a:xfrm>
+          <a:prstGeom prst="roundRect">
+            <a:avLst/>
+          </a:prstGeom>
+          <a:solidFill>
+            <a:schemeClr val="bg1">
+              <a:lumMod val="75000"/>
+            </a:schemeClr>
+          </a:solidFill>
+          <a:ln>
+            <a:solidFill>
+              <a:schemeClr val="tx1"/>
+            </a:solidFill>
+          </a:ln>
+          <a:effectLst/>
+        </p:spPr>
+        <p:style>
+          <a:lnRef idx="1">
+            <a:schemeClr val="accent1"/>
+          </a:lnRef>
+          <a:fillRef idx="3">
+            <a:schemeClr val="accent1"/>
+          </a:fillRef>
+          <a:effectRef idx="2">
+            <a:schemeClr val="accent1"/>
+          </a:effectRef>
+          <a:fontRef idx="minor">
+            <a:schemeClr val="lt1"/>
+          </a:fontRef>
+        </p:style>
+        <p:txBody>
+          <a:bodyPr rtlCol="0" anchor="ctr"/>
+          <a:lstStyle/>
+          <a:p>
+            <a:pPr algn="ctr"/>
+            <a:r>
+              <a:rPr lang="zh-CN" altLang="en-US" sz="1600" dirty="0" smtClean="0">
+                <a:solidFill>
+                  <a:srgbClr val="000000"/>
+                </a:solidFill>
+                <a:latin typeface="黑体"/>
+                <a:ea typeface="黑体"/>
+                <a:cs typeface="黑体"/>
+              </a:rPr>
+              <a:t>精雕机</a:t>
+            </a:r>
+            <a:endParaRPr lang="en-US" sz="1600" dirty="0">
+              <a:solidFill>
+                <a:srgbClr val="000000"/>
+              </a:solidFill>
+              <a:latin typeface="黑体"/>
+              <a:ea typeface="黑体"/>
+              <a:cs typeface="黑体"/>
+            </a:endParaRPr>
+          </a:p>
+        </p:txBody>
+      </p:sp>
+      <p:sp>
+        <p:nvSpPr>
+          <p:cNvPr id="5" name="Rounded Rectangle 4"/>
+          <p:cNvSpPr/>
+          <p:nvPr/>
+        </p:nvSpPr>
+        <p:spPr>
+          <a:xfrm>
+            <a:off x="489451" y="3602095"/>
+            <a:ext cx="8277572" cy="576000"/>
+          </a:xfrm>
+          <a:prstGeom prst="roundRect">
+            <a:avLst/>
+          </a:prstGeom>
+          <a:solidFill>
+            <a:schemeClr val="bg1">
+              <a:lumMod val="85000"/>
+            </a:schemeClr>
+          </a:solidFill>
+          <a:ln>
+            <a:solidFill>
+              <a:schemeClr val="tx1"/>
+            </a:solidFill>
+          </a:ln>
+          <a:effectLst/>
+        </p:spPr>
+        <p:style>
+          <a:lnRef idx="1">
+            <a:schemeClr val="accent1"/>
+          </a:lnRef>
+          <a:fillRef idx="3">
+            <a:schemeClr val="accent1"/>
+          </a:fillRef>
+          <a:effectRef idx="2">
+            <a:schemeClr val="accent1"/>
+          </a:effectRef>
+          <a:fontRef idx="minor">
+            <a:schemeClr val="lt1"/>
+          </a:fontRef>
+        </p:style>
+        <p:txBody>
+          <a:bodyPr rtlCol="0" anchor="ctr"/>
+          <a:lstStyle/>
+          <a:p>
+            <a:pPr algn="ctr"/>
+            <a:r>
+              <a:rPr lang="zh-CN" altLang="en-US" dirty="0" smtClean="0">
+                <a:solidFill>
+                  <a:srgbClr val="000000"/>
+                </a:solidFill>
+                <a:latin typeface="黑体"/>
+                <a:ea typeface="黑体"/>
+                <a:cs typeface="黑体"/>
+              </a:rPr>
+              <a:t>工业互联网</a:t>
+            </a:r>
+            <a:endParaRPr lang="en-US" dirty="0">
+              <a:solidFill>
+                <a:srgbClr val="000000"/>
+              </a:solidFill>
+              <a:latin typeface="黑体"/>
+              <a:ea typeface="黑体"/>
+              <a:cs typeface="黑体"/>
+            </a:endParaRPr>
+          </a:p>
+        </p:txBody>
+      </p:sp>
+      <p:sp>
+        <p:nvSpPr>
+          <p:cNvPr id="6" name="Rounded Rectangle 5"/>
+          <p:cNvSpPr/>
+          <p:nvPr/>
+        </p:nvSpPr>
+        <p:spPr>
+          <a:xfrm>
+            <a:off x="1804606" y="4668762"/>
+            <a:ext cx="1296000" cy="576000"/>
+          </a:xfrm>
+          <a:prstGeom prst="roundRect">
+            <a:avLst/>
+          </a:prstGeom>
+          <a:solidFill>
+            <a:schemeClr val="bg1">
+              <a:lumMod val="75000"/>
+            </a:schemeClr>
+          </a:solidFill>
+          <a:ln>
+            <a:solidFill>
+              <a:schemeClr val="tx1"/>
+            </a:solidFill>
+          </a:ln>
+          <a:effectLst/>
+        </p:spPr>
+        <p:style>
+          <a:lnRef idx="1">
+            <a:schemeClr val="accent1"/>
+          </a:lnRef>
+          <a:fillRef idx="3">
+            <a:schemeClr val="accent1"/>
+          </a:fillRef>
+          <a:effectRef idx="2">
+            <a:schemeClr val="accent1"/>
+          </a:effectRef>
+          <a:fontRef idx="minor">
+            <a:schemeClr val="lt1"/>
+          </a:fontRef>
+        </p:style>
+        <p:txBody>
+          <a:bodyPr rtlCol="0" anchor="ctr"/>
+          <a:lstStyle/>
+          <a:p>
+            <a:pPr algn="ctr"/>
+            <a:r>
+              <a:rPr lang="zh-CN" altLang="en-US" sz="1600" dirty="0" smtClean="0">
+                <a:solidFill>
+                  <a:srgbClr val="000000"/>
+                </a:solidFill>
+                <a:latin typeface="黑体"/>
+                <a:ea typeface="黑体"/>
+                <a:cs typeface="黑体"/>
+              </a:rPr>
+              <a:t>沈阳制造岛</a:t>
+            </a:r>
+            <a:endParaRPr lang="en-US" sz="1600" dirty="0">
+              <a:solidFill>
+                <a:srgbClr val="000000"/>
+              </a:solidFill>
+              <a:latin typeface="黑体"/>
+              <a:ea typeface="黑体"/>
+              <a:cs typeface="黑体"/>
+            </a:endParaRPr>
+          </a:p>
+        </p:txBody>
+      </p:sp>
+      <p:sp>
+        <p:nvSpPr>
+          <p:cNvPr id="7" name="Rounded Rectangle 6"/>
+          <p:cNvSpPr/>
+          <p:nvPr/>
+        </p:nvSpPr>
+        <p:spPr>
+          <a:xfrm>
+            <a:off x="3263761" y="4668762"/>
+            <a:ext cx="1296000" cy="576000"/>
+          </a:xfrm>
+          <a:prstGeom prst="roundRect">
+            <a:avLst/>
+          </a:prstGeom>
+          <a:solidFill>
+            <a:schemeClr val="bg1">
+              <a:lumMod val="75000"/>
+            </a:schemeClr>
+          </a:solidFill>
+          <a:ln>
+            <a:solidFill>
+              <a:schemeClr val="tx1"/>
+            </a:solidFill>
+          </a:ln>
+          <a:effectLst/>
+        </p:spPr>
+        <p:style>
+          <a:lnRef idx="1">
+            <a:schemeClr val="accent1"/>
+          </a:lnRef>
+          <a:fillRef idx="3">
+            <a:schemeClr val="accent1"/>
+          </a:fillRef>
+          <a:effectRef idx="2">
+            <a:schemeClr val="accent1"/>
+          </a:effectRef>
+          <a:fontRef idx="minor">
+            <a:schemeClr val="lt1"/>
+          </a:fontRef>
+        </p:style>
+        <p:txBody>
+          <a:bodyPr rtlCol="0" anchor="ctr"/>
+          <a:lstStyle/>
+          <a:p>
+            <a:pPr algn="ctr"/>
+            <a:r>
+              <a:rPr lang="zh-CN" altLang="en-US" sz="1600" dirty="0" smtClean="0">
+                <a:solidFill>
+                  <a:srgbClr val="000000"/>
+                </a:solidFill>
+                <a:latin typeface="黑体"/>
+                <a:ea typeface="黑体"/>
+                <a:cs typeface="黑体"/>
+              </a:rPr>
+              <a:t>汽车总装线</a:t>
+            </a:r>
+            <a:endParaRPr lang="en-US" sz="1600" dirty="0">
+              <a:solidFill>
+                <a:srgbClr val="000000"/>
+              </a:solidFill>
+              <a:latin typeface="黑体"/>
+              <a:ea typeface="黑体"/>
+              <a:cs typeface="黑体"/>
+            </a:endParaRPr>
+          </a:p>
+        </p:txBody>
+      </p:sp>
+      <p:sp>
+        <p:nvSpPr>
+          <p:cNvPr id="8" name="Rounded Rectangle 7"/>
+          <p:cNvSpPr/>
+          <p:nvPr/>
+        </p:nvSpPr>
+        <p:spPr>
+          <a:xfrm>
+            <a:off x="4722916" y="4668762"/>
+            <a:ext cx="2152953" cy="576000"/>
+          </a:xfrm>
+          <a:prstGeom prst="roundRect">
+            <a:avLst/>
+          </a:prstGeom>
+          <a:solidFill>
+            <a:schemeClr val="bg1">
+              <a:lumMod val="75000"/>
+            </a:schemeClr>
+          </a:solidFill>
+          <a:ln>
+            <a:solidFill>
+              <a:schemeClr val="tx1"/>
+            </a:solidFill>
+          </a:ln>
+          <a:effectLst/>
+        </p:spPr>
+        <p:style>
+          <a:lnRef idx="1">
+            <a:schemeClr val="accent1"/>
+          </a:lnRef>
+          <a:fillRef idx="3">
+            <a:schemeClr val="accent1"/>
+          </a:fillRef>
+          <a:effectRef idx="2">
+            <a:schemeClr val="accent1"/>
+          </a:effectRef>
+          <a:fontRef idx="minor">
+            <a:schemeClr val="lt1"/>
+          </a:fontRef>
+        </p:style>
+        <p:txBody>
+          <a:bodyPr rtlCol="0" anchor="ctr"/>
+          <a:lstStyle/>
+          <a:p>
+            <a:pPr algn="ctr"/>
+            <a:r>
+              <a:rPr lang="zh-CN" altLang="en-US" sz="1600" dirty="0" smtClean="0">
+                <a:solidFill>
+                  <a:srgbClr val="000000"/>
+                </a:solidFill>
+                <a:latin typeface="黑体"/>
+                <a:ea typeface="黑体"/>
+                <a:cs typeface="黑体"/>
+              </a:rPr>
+              <a:t>巨林柔性制造岛（筹）</a:t>
+            </a:r>
+            <a:endParaRPr lang="en-US" sz="1600" dirty="0">
+              <a:solidFill>
+                <a:srgbClr val="000000"/>
+              </a:solidFill>
+              <a:latin typeface="黑体"/>
+              <a:ea typeface="黑体"/>
+              <a:cs typeface="黑体"/>
+            </a:endParaRPr>
+          </a:p>
+        </p:txBody>
+      </p:sp>
+      <p:sp>
+        <p:nvSpPr>
+          <p:cNvPr id="9" name="Rounded Rectangle 8"/>
+          <p:cNvSpPr/>
+          <p:nvPr/>
+        </p:nvSpPr>
+        <p:spPr>
+          <a:xfrm>
+            <a:off x="7039023" y="4668762"/>
+            <a:ext cx="1728000" cy="576000"/>
+          </a:xfrm>
+          <a:prstGeom prst="roundRect">
+            <a:avLst/>
+          </a:prstGeom>
+          <a:solidFill>
+            <a:schemeClr val="bg1">
+              <a:lumMod val="75000"/>
+            </a:schemeClr>
+          </a:solidFill>
+          <a:ln>
+            <a:solidFill>
+              <a:schemeClr val="tx1"/>
+            </a:solidFill>
+          </a:ln>
+          <a:effectLst/>
+        </p:spPr>
+        <p:style>
+          <a:lnRef idx="1">
+            <a:schemeClr val="accent1"/>
+          </a:lnRef>
+          <a:fillRef idx="3">
+            <a:schemeClr val="accent1"/>
+          </a:fillRef>
+          <a:effectRef idx="2">
+            <a:schemeClr val="accent1"/>
+          </a:effectRef>
+          <a:fontRef idx="minor">
+            <a:schemeClr val="lt1"/>
+          </a:fontRef>
+        </p:style>
+        <p:txBody>
+          <a:bodyPr rtlCol="0" anchor="ctr"/>
+          <a:lstStyle/>
+          <a:p>
+            <a:pPr algn="ctr"/>
+            <a:r>
+              <a:rPr lang="zh-CN" altLang="en-US" sz="1600" dirty="0" smtClean="0">
+                <a:solidFill>
+                  <a:srgbClr val="000000"/>
+                </a:solidFill>
+                <a:latin typeface="黑体"/>
+                <a:ea typeface="黑体"/>
+                <a:cs typeface="黑体"/>
+              </a:rPr>
+              <a:t>巨轮柔性制造岛</a:t>
+            </a:r>
+            <a:endParaRPr lang="en-US" sz="1600" dirty="0">
+              <a:solidFill>
+                <a:srgbClr val="000000"/>
+              </a:solidFill>
+              <a:latin typeface="黑体"/>
+              <a:ea typeface="黑体"/>
+              <a:cs typeface="黑体"/>
+            </a:endParaRPr>
+          </a:p>
+        </p:txBody>
+      </p:sp>
+      <p:sp>
+        <p:nvSpPr>
+          <p:cNvPr id="10" name="Rounded Rectangle 9"/>
+          <p:cNvSpPr/>
+          <p:nvPr/>
+        </p:nvSpPr>
+        <p:spPr>
+          <a:xfrm>
+            <a:off x="489451" y="5950858"/>
+            <a:ext cx="1296000" cy="576000"/>
+          </a:xfrm>
+          <a:prstGeom prst="roundRect">
+            <a:avLst/>
+          </a:prstGeom>
+          <a:solidFill>
+            <a:schemeClr val="bg1">
+              <a:lumMod val="75000"/>
+            </a:schemeClr>
+          </a:solidFill>
+          <a:ln>
+            <a:solidFill>
+              <a:schemeClr val="tx1"/>
+            </a:solidFill>
+          </a:ln>
+          <a:effectLst/>
+        </p:spPr>
+        <p:style>
+          <a:lnRef idx="1">
+            <a:schemeClr val="accent1"/>
+          </a:lnRef>
+          <a:fillRef idx="3">
+            <a:schemeClr val="accent1"/>
+          </a:fillRef>
+          <a:effectRef idx="2">
+            <a:schemeClr val="accent1"/>
+          </a:effectRef>
+          <a:fontRef idx="minor">
+            <a:schemeClr val="lt1"/>
+          </a:fontRef>
+        </p:style>
+        <p:txBody>
+          <a:bodyPr rtlCol="0" anchor="ctr"/>
+          <a:lstStyle/>
+          <a:p>
+            <a:pPr algn="ctr"/>
+            <a:r>
+              <a:rPr lang="zh-CN" altLang="en-US" sz="1600" dirty="0" smtClean="0">
+                <a:solidFill>
+                  <a:srgbClr val="000000"/>
+                </a:solidFill>
+                <a:latin typeface="黑体"/>
+                <a:ea typeface="黑体"/>
+                <a:cs typeface="黑体"/>
+              </a:rPr>
+              <a:t>快速成型</a:t>
+            </a:r>
+            <a:endParaRPr lang="en-US" sz="1600" dirty="0">
+              <a:solidFill>
+                <a:srgbClr val="000000"/>
+              </a:solidFill>
+              <a:latin typeface="黑体"/>
+              <a:ea typeface="黑体"/>
+              <a:cs typeface="黑体"/>
+            </a:endParaRPr>
+          </a:p>
+        </p:txBody>
+      </p:sp>
+      <p:sp>
+        <p:nvSpPr>
+          <p:cNvPr id="11" name="Rounded Rectangle 10"/>
+          <p:cNvSpPr/>
+          <p:nvPr/>
+        </p:nvSpPr>
+        <p:spPr>
+          <a:xfrm>
+            <a:off x="2081198" y="5950858"/>
+            <a:ext cx="2057593" cy="576000"/>
+          </a:xfrm>
+          <a:prstGeom prst="roundRect">
+            <a:avLst/>
+          </a:prstGeom>
+          <a:solidFill>
+            <a:schemeClr val="bg1">
+              <a:lumMod val="75000"/>
+            </a:schemeClr>
+          </a:solidFill>
+          <a:ln>
+            <a:solidFill>
+              <a:schemeClr val="tx1"/>
+            </a:solidFill>
+          </a:ln>
+          <a:effectLst/>
+        </p:spPr>
+        <p:style>
+          <a:lnRef idx="1">
+            <a:schemeClr val="accent1"/>
+          </a:lnRef>
+          <a:fillRef idx="3">
+            <a:schemeClr val="accent1"/>
+          </a:fillRef>
+          <a:effectRef idx="2">
+            <a:schemeClr val="accent1"/>
+          </a:effectRef>
+          <a:fontRef idx="minor">
+            <a:schemeClr val="lt1"/>
+          </a:fontRef>
+        </p:style>
+        <p:txBody>
+          <a:bodyPr rtlCol="0" anchor="ctr"/>
+          <a:lstStyle/>
+          <a:p>
+            <a:pPr algn="ctr"/>
+            <a:r>
+              <a:rPr lang="zh-CN" altLang="en-US" sz="1600" dirty="0" smtClean="0">
+                <a:solidFill>
+                  <a:srgbClr val="000000"/>
+                </a:solidFill>
+                <a:latin typeface="黑体"/>
+                <a:ea typeface="黑体"/>
+                <a:cs typeface="黑体"/>
+              </a:rPr>
+              <a:t>精密制造系统（筹）</a:t>
+            </a:r>
+            <a:endParaRPr lang="en-US" sz="1600" dirty="0">
+              <a:solidFill>
+                <a:srgbClr val="000000"/>
+              </a:solidFill>
+              <a:latin typeface="黑体"/>
+              <a:ea typeface="黑体"/>
+              <a:cs typeface="黑体"/>
+            </a:endParaRPr>
+          </a:p>
+        </p:txBody>
+      </p:sp>
+      <p:sp>
+        <p:nvSpPr>
+          <p:cNvPr id="12" name="Rounded Rectangle 11"/>
+          <p:cNvSpPr/>
+          <p:nvPr/>
+        </p:nvSpPr>
+        <p:spPr>
+          <a:xfrm>
+            <a:off x="2271709" y="2564412"/>
+            <a:ext cx="4713056" cy="576000"/>
+          </a:xfrm>
+          <a:prstGeom prst="roundRect">
+            <a:avLst/>
+          </a:prstGeom>
+          <a:solidFill>
+            <a:schemeClr val="bg1">
+              <a:lumMod val="95000"/>
+            </a:schemeClr>
+          </a:solidFill>
+          <a:ln>
+            <a:solidFill>
+              <a:schemeClr val="tx1"/>
+            </a:solidFill>
+          </a:ln>
+          <a:effectLst/>
+        </p:spPr>
+        <p:style>
+          <a:lnRef idx="1">
+            <a:schemeClr val="accent1"/>
+          </a:lnRef>
+          <a:fillRef idx="3">
+            <a:schemeClr val="accent1"/>
+          </a:fillRef>
+          <a:effectRef idx="2">
+            <a:schemeClr val="accent1"/>
+          </a:effectRef>
+          <a:fontRef idx="minor">
+            <a:schemeClr val="lt1"/>
+          </a:fontRef>
+        </p:style>
+        <p:txBody>
+          <a:bodyPr rtlCol="0" anchor="ctr"/>
+          <a:lstStyle/>
+          <a:p>
+            <a:pPr algn="ctr"/>
+            <a:r>
+              <a:rPr lang="zh-CN" altLang="en-US" dirty="0" smtClean="0">
+                <a:solidFill>
+                  <a:srgbClr val="000000"/>
+                </a:solidFill>
+                <a:latin typeface="黑体"/>
+                <a:ea typeface="黑体"/>
+                <a:cs typeface="黑体"/>
+              </a:rPr>
+              <a:t>现场数据分析</a:t>
+            </a:r>
+            <a:endParaRPr lang="en-US" dirty="0">
+              <a:solidFill>
+                <a:srgbClr val="000000"/>
+              </a:solidFill>
+              <a:latin typeface="黑体"/>
+              <a:ea typeface="黑体"/>
+              <a:cs typeface="黑体"/>
+            </a:endParaRPr>
+          </a:p>
+        </p:txBody>
+      </p:sp>
+      <p:sp>
+        <p:nvSpPr>
+          <p:cNvPr id="13" name="Rounded Rectangle 12"/>
+          <p:cNvSpPr/>
+          <p:nvPr/>
+        </p:nvSpPr>
+        <p:spPr>
+          <a:xfrm>
+            <a:off x="2271709" y="1526730"/>
+            <a:ext cx="4713056" cy="576000"/>
+          </a:xfrm>
+          <a:prstGeom prst="roundRect">
+            <a:avLst/>
+          </a:prstGeom>
+          <a:solidFill>
+            <a:schemeClr val="bg1">
+              <a:lumMod val="95000"/>
+            </a:schemeClr>
+          </a:solidFill>
+          <a:ln>
+            <a:solidFill>
+              <a:schemeClr val="tx1"/>
+            </a:solidFill>
+          </a:ln>
+          <a:effectLst/>
+        </p:spPr>
+        <p:style>
+          <a:lnRef idx="1">
+            <a:schemeClr val="accent1"/>
+          </a:lnRef>
+          <a:fillRef idx="3">
+            <a:schemeClr val="accent1"/>
+          </a:fillRef>
+          <a:effectRef idx="2">
+            <a:schemeClr val="accent1"/>
+          </a:effectRef>
+          <a:fontRef idx="minor">
+            <a:schemeClr val="lt1"/>
+          </a:fontRef>
+        </p:style>
+        <p:txBody>
+          <a:bodyPr rtlCol="0" anchor="ctr"/>
+          <a:lstStyle/>
+          <a:p>
+            <a:pPr algn="ctr"/>
+            <a:r>
+              <a:rPr lang="zh-CN" altLang="en-US" dirty="0" smtClean="0">
+                <a:solidFill>
+                  <a:srgbClr val="000000"/>
+                </a:solidFill>
+                <a:latin typeface="黑体"/>
+                <a:ea typeface="黑体"/>
+                <a:cs typeface="黑体"/>
+              </a:rPr>
+              <a:t>生产系统仿真</a:t>
+            </a:r>
+            <a:endParaRPr lang="en-US" dirty="0">
+              <a:solidFill>
+                <a:srgbClr val="000000"/>
+              </a:solidFill>
+              <a:latin typeface="黑体"/>
+              <a:ea typeface="黑体"/>
+              <a:cs typeface="黑体"/>
+            </a:endParaRPr>
+          </a:p>
+        </p:txBody>
+      </p:sp>
+      <p:sp>
+        <p:nvSpPr>
+          <p:cNvPr id="14" name="Rounded Rectangle 13"/>
+          <p:cNvSpPr/>
+          <p:nvPr/>
+        </p:nvSpPr>
+        <p:spPr>
+          <a:xfrm>
+            <a:off x="4434538" y="5950858"/>
+            <a:ext cx="2448000" cy="576000"/>
+          </a:xfrm>
+          <a:prstGeom prst="roundRect">
+            <a:avLst/>
+          </a:prstGeom>
+          <a:solidFill>
+            <a:schemeClr val="bg1">
+              <a:lumMod val="75000"/>
+            </a:schemeClr>
+          </a:solidFill>
+          <a:ln>
+            <a:solidFill>
+              <a:schemeClr val="tx1"/>
+            </a:solidFill>
+          </a:ln>
+          <a:effectLst/>
+        </p:spPr>
+        <p:style>
+          <a:lnRef idx="1">
+            <a:schemeClr val="accent1"/>
+          </a:lnRef>
+          <a:fillRef idx="3">
+            <a:schemeClr val="accent1"/>
+          </a:fillRef>
+          <a:effectRef idx="2">
+            <a:schemeClr val="accent1"/>
+          </a:effectRef>
+          <a:fontRef idx="minor">
+            <a:schemeClr val="lt1"/>
+          </a:fontRef>
+        </p:style>
+        <p:txBody>
+          <a:bodyPr rtlCol="0" anchor="ctr"/>
+          <a:lstStyle/>
+          <a:p>
+            <a:pPr algn="ctr"/>
+            <a:r>
+              <a:rPr lang="zh-CN" altLang="en-US" sz="1600" dirty="0" smtClean="0">
+                <a:solidFill>
+                  <a:srgbClr val="000000"/>
+                </a:solidFill>
+                <a:latin typeface="黑体"/>
+                <a:ea typeface="黑体"/>
+                <a:cs typeface="黑体"/>
+              </a:rPr>
+              <a:t>智能模具制造单元（筹）</a:t>
+            </a:r>
+            <a:endParaRPr lang="en-US" sz="1600" dirty="0">
+              <a:solidFill>
+                <a:srgbClr val="000000"/>
+              </a:solidFill>
+              <a:latin typeface="黑体"/>
+              <a:ea typeface="黑体"/>
+              <a:cs typeface="黑体"/>
+            </a:endParaRPr>
+          </a:p>
+        </p:txBody>
+      </p:sp>
+      <p:sp>
+        <p:nvSpPr>
+          <p:cNvPr id="15" name="Rounded Rectangle 14"/>
+          <p:cNvSpPr/>
+          <p:nvPr/>
+        </p:nvSpPr>
+        <p:spPr>
+          <a:xfrm>
+            <a:off x="7178284" y="5950858"/>
+            <a:ext cx="1588739" cy="576000"/>
+          </a:xfrm>
+          <a:prstGeom prst="roundRect">
+            <a:avLst/>
+          </a:prstGeom>
+          <a:solidFill>
+            <a:schemeClr val="bg1">
+              <a:lumMod val="75000"/>
+            </a:schemeClr>
+          </a:solidFill>
+          <a:ln>
+            <a:solidFill>
+              <a:schemeClr val="tx1"/>
+            </a:solidFill>
+          </a:ln>
+          <a:effectLst/>
+        </p:spPr>
+        <p:style>
+          <a:lnRef idx="1">
+            <a:schemeClr val="accent1"/>
+          </a:lnRef>
+          <a:fillRef idx="3">
+            <a:schemeClr val="accent1"/>
+          </a:fillRef>
+          <a:effectRef idx="2">
+            <a:schemeClr val="accent1"/>
+          </a:effectRef>
+          <a:fontRef idx="minor">
+            <a:schemeClr val="lt1"/>
+          </a:fontRef>
+        </p:style>
+        <p:txBody>
+          <a:bodyPr rtlCol="0" anchor="ctr"/>
+          <a:lstStyle/>
+          <a:p>
+            <a:pPr algn="ctr"/>
+            <a:r>
+              <a:rPr lang="zh-CN" altLang="en-US" sz="1600" dirty="0" smtClean="0">
+                <a:solidFill>
+                  <a:srgbClr val="000000"/>
+                </a:solidFill>
+                <a:latin typeface="黑体"/>
+                <a:ea typeface="黑体"/>
+                <a:cs typeface="黑体"/>
+              </a:rPr>
+              <a:t>立体仓库（筹）</a:t>
+            </a:r>
+            <a:endParaRPr lang="en-US" sz="1600" dirty="0">
+              <a:solidFill>
+                <a:srgbClr val="000000"/>
+              </a:solidFill>
+              <a:latin typeface="黑体"/>
+              <a:ea typeface="黑体"/>
+              <a:cs typeface="黑体"/>
+            </a:endParaRPr>
+          </a:p>
+        </p:txBody>
+      </p:sp>
+      <p:sp>
+        <p:nvSpPr>
+          <p:cNvPr id="16" name="Rounded Rectangle 15"/>
+          <p:cNvSpPr/>
+          <p:nvPr/>
+        </p:nvSpPr>
+        <p:spPr>
+          <a:xfrm>
+            <a:off x="489451" y="489048"/>
+            <a:ext cx="8277572" cy="576000"/>
+          </a:xfrm>
+          <a:prstGeom prst="roundRect">
+            <a:avLst/>
+          </a:prstGeom>
+          <a:solidFill>
+            <a:schemeClr val="bg1">
+              <a:lumMod val="85000"/>
+            </a:schemeClr>
+          </a:solidFill>
+          <a:ln>
+            <a:solidFill>
+              <a:schemeClr val="tx1"/>
+            </a:solidFill>
+          </a:ln>
+          <a:effectLst/>
+        </p:spPr>
+        <p:style>
+          <a:lnRef idx="1">
+            <a:schemeClr val="accent1"/>
+          </a:lnRef>
+          <a:fillRef idx="3">
+            <a:schemeClr val="accent1"/>
+          </a:fillRef>
+          <a:effectRef idx="2">
+            <a:schemeClr val="accent1"/>
+          </a:effectRef>
+          <a:fontRef idx="minor">
+            <a:schemeClr val="lt1"/>
+          </a:fontRef>
+        </p:style>
+        <p:txBody>
+          <a:bodyPr rtlCol="0" anchor="ctr"/>
+          <a:lstStyle/>
+          <a:p>
+            <a:pPr algn="ctr"/>
+            <a:r>
+              <a:rPr lang="zh-CN" altLang="en-US" dirty="0" smtClean="0">
+                <a:solidFill>
+                  <a:srgbClr val="000000"/>
+                </a:solidFill>
+                <a:latin typeface="黑体"/>
+                <a:ea typeface="黑体"/>
+                <a:cs typeface="黑体"/>
+              </a:rPr>
+              <a:t>数字生产系统沙盘</a:t>
+            </a:r>
+            <a:endParaRPr lang="en-US" dirty="0">
+              <a:solidFill>
+                <a:srgbClr val="000000"/>
+              </a:solidFill>
+              <a:latin typeface="黑体"/>
+              <a:ea typeface="黑体"/>
+              <a:cs typeface="黑体"/>
+            </a:endParaRPr>
+          </a:p>
+        </p:txBody>
+      </p:sp>
+      <p:cxnSp>
+        <p:nvCxnSpPr>
+          <p:cNvPr id="18" name="Straight Arrow Connector 17"/>
+          <p:cNvCxnSpPr>
+            <a:stCxn id="16" idx="2"/>
+            <a:endCxn id="13" idx="0"/>
+          </p:cNvCxnSpPr>
+          <p:nvPr/>
+        </p:nvCxnSpPr>
+        <p:spPr>
+          <a:xfrm>
+            <a:off x="4628237" y="1065048"/>
+            <a:ext cx="0" cy="461682"/>
+          </a:xfrm>
+          <a:prstGeom prst="straightConnector1">
+            <a:avLst/>
+          </a:prstGeom>
+          <a:solidFill>
+            <a:schemeClr val="bg1">
+              <a:lumMod val="75000"/>
+            </a:schemeClr>
+          </a:solidFill>
+          <a:ln>
+            <a:solidFill>
+              <a:schemeClr val="tx1"/>
+            </a:solidFill>
+            <a:headEnd type="none"/>
+            <a:tailEnd type="triangle"/>
+          </a:ln>
+          <a:effectLst/>
+        </p:spPr>
+        <p:style>
+          <a:lnRef idx="1">
+            <a:schemeClr val="accent1"/>
+          </a:lnRef>
+          <a:fillRef idx="3">
+            <a:schemeClr val="accent1"/>
+          </a:fillRef>
+          <a:effectRef idx="2">
+            <a:schemeClr val="accent1"/>
+          </a:effectRef>
+          <a:fontRef idx="minor">
+            <a:schemeClr val="lt1"/>
+          </a:fontRef>
+        </p:style>
+      </p:cxnSp>
+      <p:cxnSp>
+        <p:nvCxnSpPr>
+          <p:cNvPr id="21" name="Straight Arrow Connector 20"/>
+          <p:cNvCxnSpPr>
+            <a:stCxn id="13" idx="2"/>
+            <a:endCxn id="12" idx="0"/>
+          </p:cNvCxnSpPr>
+          <p:nvPr/>
+        </p:nvCxnSpPr>
+        <p:spPr>
+          <a:xfrm>
+            <a:off x="4628237" y="2102730"/>
+            <a:ext cx="0" cy="461682"/>
+          </a:xfrm>
+          <a:prstGeom prst="straightConnector1">
+            <a:avLst/>
+          </a:prstGeom>
+          <a:solidFill>
+            <a:schemeClr val="bg1">
+              <a:lumMod val="75000"/>
+            </a:schemeClr>
+          </a:solidFill>
+          <a:ln>
+            <a:solidFill>
+              <a:schemeClr val="tx1"/>
+            </a:solidFill>
+            <a:headEnd type="triangle"/>
+            <a:tailEnd type="triangle"/>
+          </a:ln>
+          <a:effectLst/>
+        </p:spPr>
+        <p:style>
+          <a:lnRef idx="1">
+            <a:schemeClr val="accent1"/>
+          </a:lnRef>
+          <a:fillRef idx="3">
+            <a:schemeClr val="accent1"/>
+          </a:fillRef>
+          <a:effectRef idx="2">
+            <a:schemeClr val="accent1"/>
+          </a:effectRef>
+          <a:fontRef idx="minor">
+            <a:schemeClr val="lt1"/>
+          </a:fontRef>
+        </p:style>
+      </p:cxnSp>
+      <p:cxnSp>
+        <p:nvCxnSpPr>
+          <p:cNvPr id="25" name="Elbow Connector 24"/>
+          <p:cNvCxnSpPr>
+            <a:stCxn id="4" idx="0"/>
+            <a:endCxn id="5" idx="2"/>
+          </p:cNvCxnSpPr>
+          <p:nvPr/>
+        </p:nvCxnSpPr>
+        <p:spPr>
+          <a:xfrm rot="5400000" flipH="1" flipV="1">
+            <a:off x="2601511" y="2642036"/>
+            <a:ext cx="490667" cy="3562786"/>
+          </a:xfrm>
+          <a:prstGeom prst="bentConnector3">
+            <a:avLst/>
+          </a:prstGeom>
+          <a:solidFill>
+            <a:schemeClr val="bg1">
+              <a:lumMod val="75000"/>
+            </a:schemeClr>
+          </a:solidFill>
+          <a:ln>
+            <a:solidFill>
+              <a:schemeClr val="tx1"/>
+            </a:solidFill>
+            <a:headEnd type="none"/>
+            <a:tailEnd type="triangle"/>
+          </a:ln>
+          <a:effectLst/>
+        </p:spPr>
+        <p:style>
+          <a:lnRef idx="1">
+            <a:schemeClr val="accent1"/>
+          </a:lnRef>
+          <a:fillRef idx="3">
+            <a:schemeClr val="accent1"/>
+          </a:fillRef>
+          <a:effectRef idx="2">
+            <a:schemeClr val="accent1"/>
+          </a:effectRef>
+          <a:fontRef idx="minor">
+            <a:schemeClr val="lt1"/>
+          </a:fontRef>
+        </p:style>
+      </p:cxnSp>
+      <p:cxnSp>
+        <p:nvCxnSpPr>
+          <p:cNvPr id="26" name="Elbow Connector 25"/>
+          <p:cNvCxnSpPr>
+            <a:stCxn id="6" idx="0"/>
+            <a:endCxn id="5" idx="2"/>
+          </p:cNvCxnSpPr>
+          <p:nvPr/>
+        </p:nvCxnSpPr>
+        <p:spPr>
+          <a:xfrm rot="5400000" flipH="1" flipV="1">
+            <a:off x="3295088" y="3335614"/>
+            <a:ext cx="490667" cy="2175631"/>
+          </a:xfrm>
+          <a:prstGeom prst="bentConnector3">
+            <a:avLst>
+              <a:gd name="adj1" fmla="val 50000"/>
+            </a:avLst>
+          </a:prstGeom>
+          <a:solidFill>
+            <a:schemeClr val="bg1">
+              <a:lumMod val="75000"/>
+            </a:schemeClr>
+          </a:solidFill>
+          <a:ln>
+            <a:solidFill>
+              <a:schemeClr val="tx1"/>
+            </a:solidFill>
+            <a:headEnd type="none"/>
+            <a:tailEnd type="triangle"/>
+          </a:ln>
+          <a:effectLst/>
+        </p:spPr>
+        <p:style>
+          <a:lnRef idx="1">
+            <a:schemeClr val="accent1"/>
+          </a:lnRef>
+          <a:fillRef idx="3">
+            <a:schemeClr val="accent1"/>
+          </a:fillRef>
+          <a:effectRef idx="2">
+            <a:schemeClr val="accent1"/>
+          </a:effectRef>
+          <a:fontRef idx="minor">
+            <a:schemeClr val="lt1"/>
+          </a:fontRef>
+        </p:style>
+      </p:cxnSp>
+      <p:cxnSp>
+        <p:nvCxnSpPr>
+          <p:cNvPr id="27" name="Elbow Connector 26"/>
+          <p:cNvCxnSpPr>
+            <a:stCxn id="7" idx="0"/>
+            <a:endCxn id="5" idx="2"/>
+          </p:cNvCxnSpPr>
+          <p:nvPr/>
+        </p:nvCxnSpPr>
+        <p:spPr>
+          <a:xfrm rot="5400000" flipH="1" flipV="1">
+            <a:off x="4024666" y="4065191"/>
+            <a:ext cx="490667" cy="716476"/>
+          </a:xfrm>
+          <a:prstGeom prst="bentConnector3">
+            <a:avLst>
+              <a:gd name="adj1" fmla="val 50000"/>
+            </a:avLst>
+          </a:prstGeom>
+          <a:solidFill>
+            <a:schemeClr val="bg1">
+              <a:lumMod val="75000"/>
+            </a:schemeClr>
+          </a:solidFill>
+          <a:ln>
+            <a:solidFill>
+              <a:schemeClr val="tx1"/>
+            </a:solidFill>
+            <a:headEnd type="none"/>
+            <a:tailEnd type="triangle"/>
+          </a:ln>
+          <a:effectLst/>
+        </p:spPr>
+        <p:style>
+          <a:lnRef idx="1">
+            <a:schemeClr val="accent1"/>
+          </a:lnRef>
+          <a:fillRef idx="3">
+            <a:schemeClr val="accent1"/>
+          </a:fillRef>
+          <a:effectRef idx="2">
+            <a:schemeClr val="accent1"/>
+          </a:effectRef>
+          <a:fontRef idx="minor">
+            <a:schemeClr val="lt1"/>
+          </a:fontRef>
+        </p:style>
+      </p:cxnSp>
+      <p:cxnSp>
+        <p:nvCxnSpPr>
+          <p:cNvPr id="28" name="Elbow Connector 27"/>
+          <p:cNvCxnSpPr>
+            <a:stCxn id="8" idx="0"/>
+            <a:endCxn id="5" idx="2"/>
+          </p:cNvCxnSpPr>
+          <p:nvPr/>
+        </p:nvCxnSpPr>
+        <p:spPr>
+          <a:xfrm rot="16200000" flipV="1">
+            <a:off x="4968482" y="3837851"/>
+            <a:ext cx="490667" cy="1171156"/>
+          </a:xfrm>
+          <a:prstGeom prst="bentConnector3">
+            <a:avLst>
+              <a:gd name="adj1" fmla="val 50000"/>
+            </a:avLst>
+          </a:prstGeom>
+          <a:solidFill>
+            <a:schemeClr val="bg1">
+              <a:lumMod val="75000"/>
+            </a:schemeClr>
+          </a:solidFill>
+          <a:ln>
+            <a:solidFill>
+              <a:schemeClr val="tx1"/>
+            </a:solidFill>
+            <a:headEnd type="none"/>
+            <a:tailEnd type="triangle"/>
+          </a:ln>
+          <a:effectLst/>
+        </p:spPr>
+        <p:style>
+          <a:lnRef idx="1">
+            <a:schemeClr val="accent1"/>
+          </a:lnRef>
+          <a:fillRef idx="3">
+            <a:schemeClr val="accent1"/>
+          </a:fillRef>
+          <a:effectRef idx="2">
+            <a:schemeClr val="accent1"/>
+          </a:effectRef>
+          <a:fontRef idx="minor">
+            <a:schemeClr val="lt1"/>
+          </a:fontRef>
+        </p:style>
+      </p:cxnSp>
+      <p:cxnSp>
+        <p:nvCxnSpPr>
+          <p:cNvPr id="29" name="Elbow Connector 28"/>
+          <p:cNvCxnSpPr>
+            <a:stCxn id="9" idx="0"/>
+            <a:endCxn id="5" idx="2"/>
+          </p:cNvCxnSpPr>
+          <p:nvPr/>
+        </p:nvCxnSpPr>
+        <p:spPr>
+          <a:xfrm rot="16200000" flipV="1">
+            <a:off x="6020297" y="2786036"/>
+            <a:ext cx="490667" cy="3274786"/>
+          </a:xfrm>
+          <a:prstGeom prst="bentConnector3">
+            <a:avLst>
+              <a:gd name="adj1" fmla="val 50000"/>
+            </a:avLst>
+          </a:prstGeom>
+          <a:solidFill>
+            <a:schemeClr val="bg1">
+              <a:lumMod val="75000"/>
+            </a:schemeClr>
+          </a:solidFill>
+          <a:ln>
+            <a:solidFill>
+              <a:schemeClr val="tx1"/>
+            </a:solidFill>
+            <a:headEnd type="none"/>
+            <a:tailEnd type="triangle"/>
+          </a:ln>
+          <a:effectLst/>
+        </p:spPr>
+        <p:style>
+          <a:lnRef idx="1">
+            <a:schemeClr val="accent1"/>
+          </a:lnRef>
+          <a:fillRef idx="3">
+            <a:schemeClr val="accent1"/>
+          </a:fillRef>
+          <a:effectRef idx="2">
+            <a:schemeClr val="accent1"/>
+          </a:effectRef>
+          <a:fontRef idx="minor">
+            <a:schemeClr val="lt1"/>
+          </a:fontRef>
+        </p:style>
+      </p:cxnSp>
+      <p:cxnSp>
+        <p:nvCxnSpPr>
+          <p:cNvPr id="38" name="Elbow Connector 37"/>
+          <p:cNvCxnSpPr>
+            <a:stCxn id="10" idx="0"/>
+            <a:endCxn id="5" idx="2"/>
+          </p:cNvCxnSpPr>
+          <p:nvPr/>
+        </p:nvCxnSpPr>
+        <p:spPr>
+          <a:xfrm rot="5400000" flipH="1" flipV="1">
+            <a:off x="1996463" y="3319084"/>
+            <a:ext cx="1772763" cy="3490786"/>
+          </a:xfrm>
+          <a:prstGeom prst="bentConnector3">
+            <a:avLst>
+              <a:gd name="adj1" fmla="val 21344"/>
+            </a:avLst>
+          </a:prstGeom>
+          <a:solidFill>
+            <a:schemeClr val="bg1">
+              <a:lumMod val="75000"/>
+            </a:schemeClr>
+          </a:solidFill>
+          <a:ln>
+            <a:solidFill>
+              <a:schemeClr val="tx1"/>
+            </a:solidFill>
+            <a:headEnd type="none"/>
+            <a:tailEnd type="triangle"/>
+          </a:ln>
+          <a:effectLst/>
+        </p:spPr>
+        <p:style>
+          <a:lnRef idx="1">
+            <a:schemeClr val="accent1"/>
+          </a:lnRef>
+          <a:fillRef idx="3">
+            <a:schemeClr val="accent1"/>
+          </a:fillRef>
+          <a:effectRef idx="2">
+            <a:schemeClr val="accent1"/>
+          </a:effectRef>
+          <a:fontRef idx="minor">
+            <a:schemeClr val="lt1"/>
+          </a:fontRef>
+        </p:style>
+      </p:cxnSp>
+      <p:cxnSp>
+        <p:nvCxnSpPr>
+          <p:cNvPr id="41" name="Elbow Connector 40"/>
+          <p:cNvCxnSpPr>
+            <a:stCxn id="11" idx="0"/>
+            <a:endCxn id="5" idx="2"/>
+          </p:cNvCxnSpPr>
+          <p:nvPr/>
+        </p:nvCxnSpPr>
+        <p:spPr>
+          <a:xfrm rot="5400000" flipH="1" flipV="1">
+            <a:off x="2982735" y="4305356"/>
+            <a:ext cx="1772763" cy="1518242"/>
+          </a:xfrm>
+          <a:prstGeom prst="bentConnector3">
+            <a:avLst>
+              <a:gd name="adj1" fmla="val 21344"/>
+            </a:avLst>
+          </a:prstGeom>
+          <a:solidFill>
+            <a:schemeClr val="bg1">
+              <a:lumMod val="75000"/>
+            </a:schemeClr>
+          </a:solidFill>
+          <a:ln>
+            <a:solidFill>
+              <a:schemeClr val="tx1"/>
+            </a:solidFill>
+            <a:headEnd type="none"/>
+            <a:tailEnd type="triangle"/>
+          </a:ln>
+          <a:effectLst/>
+        </p:spPr>
+        <p:style>
+          <a:lnRef idx="1">
+            <a:schemeClr val="accent1"/>
+          </a:lnRef>
+          <a:fillRef idx="3">
+            <a:schemeClr val="accent1"/>
+          </a:fillRef>
+          <a:effectRef idx="2">
+            <a:schemeClr val="accent1"/>
+          </a:effectRef>
+          <a:fontRef idx="minor">
+            <a:schemeClr val="lt1"/>
+          </a:fontRef>
+        </p:style>
+      </p:cxnSp>
+      <p:cxnSp>
+        <p:nvCxnSpPr>
+          <p:cNvPr id="42" name="Elbow Connector 41"/>
+          <p:cNvCxnSpPr>
+            <a:stCxn id="14" idx="0"/>
+            <a:endCxn id="5" idx="2"/>
+          </p:cNvCxnSpPr>
+          <p:nvPr/>
+        </p:nvCxnSpPr>
+        <p:spPr>
+          <a:xfrm rot="16200000" flipV="1">
+            <a:off x="4257007" y="4549326"/>
+            <a:ext cx="1772763" cy="1030301"/>
+          </a:xfrm>
+          <a:prstGeom prst="bentConnector3">
+            <a:avLst>
+              <a:gd name="adj1" fmla="val 21344"/>
+            </a:avLst>
+          </a:prstGeom>
+          <a:solidFill>
+            <a:schemeClr val="bg1">
+              <a:lumMod val="75000"/>
+            </a:schemeClr>
+          </a:solidFill>
+          <a:ln>
+            <a:solidFill>
+              <a:schemeClr val="tx1"/>
+            </a:solidFill>
+            <a:headEnd type="none"/>
+            <a:tailEnd type="triangle"/>
+          </a:ln>
+          <a:effectLst/>
+        </p:spPr>
+        <p:style>
+          <a:lnRef idx="1">
+            <a:schemeClr val="accent1"/>
+          </a:lnRef>
+          <a:fillRef idx="3">
+            <a:schemeClr val="accent1"/>
+          </a:fillRef>
+          <a:effectRef idx="2">
+            <a:schemeClr val="accent1"/>
+          </a:effectRef>
+          <a:fontRef idx="minor">
+            <a:schemeClr val="lt1"/>
+          </a:fontRef>
+        </p:style>
+      </p:cxnSp>
+      <p:cxnSp>
+        <p:nvCxnSpPr>
+          <p:cNvPr id="43" name="Elbow Connector 42"/>
+          <p:cNvCxnSpPr>
+            <a:stCxn id="15" idx="0"/>
+            <a:endCxn id="5" idx="2"/>
+          </p:cNvCxnSpPr>
+          <p:nvPr/>
+        </p:nvCxnSpPr>
+        <p:spPr>
+          <a:xfrm rot="16200000" flipV="1">
+            <a:off x="5414065" y="3392268"/>
+            <a:ext cx="1772763" cy="3344417"/>
+          </a:xfrm>
+          <a:prstGeom prst="bentConnector3">
+            <a:avLst>
+              <a:gd name="adj1" fmla="val 21344"/>
+            </a:avLst>
+          </a:prstGeom>
+          <a:solidFill>
+            <a:schemeClr val="bg1">
+              <a:lumMod val="75000"/>
+            </a:schemeClr>
+          </a:solidFill>
+          <a:ln>
+            <a:solidFill>
+              <a:schemeClr val="tx1"/>
+            </a:solidFill>
+            <a:headEnd type="none"/>
+            <a:tailEnd type="triangle"/>
+          </a:ln>
+          <a:effectLst/>
+        </p:spPr>
+        <p:style>
+          <a:lnRef idx="1">
+            <a:schemeClr val="accent1"/>
+          </a:lnRef>
+          <a:fillRef idx="3">
+            <a:schemeClr val="accent1"/>
+          </a:fillRef>
+          <a:effectRef idx="2">
+            <a:schemeClr val="accent1"/>
+          </a:effectRef>
+          <a:fontRef idx="minor">
+            <a:schemeClr val="lt1"/>
+          </a:fontRef>
+        </p:style>
+      </p:cxnSp>
+      <p:cxnSp>
+        <p:nvCxnSpPr>
+          <p:cNvPr id="54" name="Straight Arrow Connector 53"/>
+          <p:cNvCxnSpPr>
+            <a:stCxn id="5" idx="0"/>
+            <a:endCxn id="12" idx="2"/>
+          </p:cNvCxnSpPr>
+          <p:nvPr/>
+        </p:nvCxnSpPr>
+        <p:spPr>
+          <a:xfrm flipV="1">
+            <a:off x="4628237" y="3140412"/>
+            <a:ext cx="0" cy="461683"/>
+          </a:xfrm>
+          <a:prstGeom prst="straightConnector1">
+            <a:avLst/>
+          </a:prstGeom>
+          <a:solidFill>
+            <a:schemeClr val="bg1">
+              <a:lumMod val="75000"/>
+            </a:schemeClr>
+          </a:solidFill>
+          <a:ln>
+            <a:solidFill>
+              <a:schemeClr val="tx1"/>
+            </a:solidFill>
+            <a:headEnd type="none"/>
+            <a:tailEnd type="triangle"/>
+          </a:ln>
+          <a:effectLst/>
+        </p:spPr>
+        <p:style>
+          <a:lnRef idx="1">
+            <a:schemeClr val="accent1"/>
+          </a:lnRef>
+          <a:fillRef idx="3">
+            <a:schemeClr val="accent1"/>
+          </a:fillRef>
+          <a:effectRef idx="2">
+            <a:schemeClr val="accent1"/>
+          </a:effectRef>
+          <a:fontRef idx="minor">
+            <a:schemeClr val="lt1"/>
+          </a:fontRef>
+        </p:style>
+      </p:cxnSp>
+      <p:pic>
+        <p:nvPicPr>
+          <p:cNvPr id="2" name="图片 1" descr="logo-Renishaw.jpg"/>
+          <p:cNvPicPr>
+            <a:picLocks noChangeAspect="1"/>
+          </p:cNvPicPr>
+          <p:nvPr/>
+        </p:nvPicPr>
+        <p:blipFill>
+          <a:blip r:embed="rId2">
+            <a:extLst>
+              <a:ext uri="{28A0092B-C50C-407E-A947-70E740481C1C}">
+                <a14:useLocalDpi xmlns:a14="http://schemas.microsoft.com/office/drawing/2010/main" val="0"/>
+              </a:ext>
+            </a:extLst>
+          </a:blip>
+          <a:stretch>
+            <a:fillRect/>
+          </a:stretch>
+        </p:blipFill>
+        <p:spPr>
+          <a:xfrm>
+            <a:off x="3050908" y="6387745"/>
+            <a:ext cx="979583" cy="287999"/>
+          </a:xfrm>
+          <a:prstGeom prst="rect">
+            <a:avLst/>
+          </a:prstGeom>
+        </p:spPr>
+      </p:pic>
+      <p:pic>
+        <p:nvPicPr>
+          <p:cNvPr id="3" name="图片 2" descr="top.jpg"/>
+          <p:cNvPicPr>
+            <a:picLocks noChangeAspect="1"/>
+          </p:cNvPicPr>
+          <p:nvPr/>
+        </p:nvPicPr>
+        <p:blipFill>
+          <a:blip r:embed="rId3">
+            <a:extLst>
+              <a:ext uri="{28A0092B-C50C-407E-A947-70E740481C1C}">
+                <a14:useLocalDpi xmlns:a14="http://schemas.microsoft.com/office/drawing/2010/main" val="0"/>
+              </a:ext>
+            </a:extLst>
+          </a:blip>
+          <a:stretch>
+            <a:fillRect/>
+          </a:stretch>
+        </p:blipFill>
+        <p:spPr>
+          <a:xfrm>
+            <a:off x="675498" y="5118762"/>
+            <a:ext cx="1057413" cy="252000"/>
+          </a:xfrm>
+          <a:prstGeom prst="rect">
+            <a:avLst/>
+          </a:prstGeom>
+        </p:spPr>
+      </p:pic>
+      <p:pic>
+        <p:nvPicPr>
+          <p:cNvPr id="17" name="图片 16" descr="东方教具.png"/>
+          <p:cNvPicPr>
+            <a:picLocks noChangeAspect="1"/>
+          </p:cNvPicPr>
+          <p:nvPr/>
+        </p:nvPicPr>
+        <p:blipFill>
+          <a:blip r:embed="rId4">
+            <a:extLst>
+              <a:ext uri="{28A0092B-C50C-407E-A947-70E740481C1C}">
+                <a14:useLocalDpi xmlns:a14="http://schemas.microsoft.com/office/drawing/2010/main" val="0"/>
+              </a:ext>
+            </a:extLst>
+          </a:blip>
+          <a:stretch>
+            <a:fillRect/>
+          </a:stretch>
+        </p:blipFill>
+        <p:spPr>
+          <a:xfrm>
+            <a:off x="6695211" y="907188"/>
+            <a:ext cx="1984582" cy="288000"/>
+          </a:xfrm>
+          <a:prstGeom prst="rect">
+            <a:avLst/>
+          </a:prstGeom>
+        </p:spPr>
+      </p:pic>
+      <p:pic>
+        <p:nvPicPr>
+          <p:cNvPr id="20" name="图片 19" descr="makeblock.png"/>
+          <p:cNvPicPr>
+            <a:picLocks noChangeAspect="1"/>
+          </p:cNvPicPr>
+          <p:nvPr/>
+        </p:nvPicPr>
+        <p:blipFill>
+          <a:blip r:embed="rId5">
+            <a:extLst>
+              <a:ext uri="{28A0092B-C50C-407E-A947-70E740481C1C}">
+                <a14:useLocalDpi xmlns:a14="http://schemas.microsoft.com/office/drawing/2010/main" val="0"/>
+              </a:ext>
+            </a:extLst>
+          </a:blip>
+          <a:stretch>
+            <a:fillRect/>
+          </a:stretch>
+        </p:blipFill>
+        <p:spPr>
+          <a:xfrm>
+            <a:off x="5448493" y="907188"/>
+            <a:ext cx="1152000" cy="288000"/>
+          </a:xfrm>
+          <a:prstGeom prst="rect">
+            <a:avLst/>
+          </a:prstGeom>
+        </p:spPr>
+      </p:pic>
+      <p:pic>
+        <p:nvPicPr>
+          <p:cNvPr id="22" name="图片 21" descr="AnyLogic.jpg"/>
+          <p:cNvPicPr>
+            <a:picLocks noChangeAspect="1"/>
+          </p:cNvPicPr>
+          <p:nvPr/>
+        </p:nvPicPr>
+        <p:blipFill>
+          <a:blip r:embed="rId6">
+            <a:extLst>
+              <a:ext uri="{28A0092B-C50C-407E-A947-70E740481C1C}">
+                <a14:useLocalDpi xmlns:a14="http://schemas.microsoft.com/office/drawing/2010/main" val="0"/>
+              </a:ext>
+            </a:extLst>
+          </a:blip>
+          <a:stretch>
+            <a:fillRect/>
+          </a:stretch>
+        </p:blipFill>
+        <p:spPr>
+          <a:xfrm>
+            <a:off x="5658539" y="2174512"/>
+            <a:ext cx="1202400" cy="288000"/>
+          </a:xfrm>
+          <a:prstGeom prst="rect">
+            <a:avLst/>
+          </a:prstGeom>
+        </p:spPr>
+      </p:pic>
+      <p:pic>
+        <p:nvPicPr>
+          <p:cNvPr id="23" name="图片 22" descr="visual components.jpg"/>
+          <p:cNvPicPr>
+            <a:picLocks noChangeAspect="1"/>
+          </p:cNvPicPr>
+          <p:nvPr/>
+        </p:nvPicPr>
+        <p:blipFill>
+          <a:blip r:embed="rId7">
+            <a:extLst>
+              <a:ext uri="{28A0092B-C50C-407E-A947-70E740481C1C}">
+                <a14:useLocalDpi xmlns:a14="http://schemas.microsoft.com/office/drawing/2010/main" val="0"/>
+              </a:ext>
+            </a:extLst>
+          </a:blip>
+          <a:stretch>
+            <a:fillRect/>
+          </a:stretch>
+        </p:blipFill>
+        <p:spPr>
+          <a:xfrm>
+            <a:off x="4793790" y="2174512"/>
+            <a:ext cx="754654" cy="288000"/>
+          </a:xfrm>
+          <a:prstGeom prst="rect">
+            <a:avLst/>
+          </a:prstGeom>
+        </p:spPr>
+      </p:pic>
+      <p:pic>
+        <p:nvPicPr>
+          <p:cNvPr id="32" name="图片 31" descr="rockwell-automation-logo.jpg"/>
+          <p:cNvPicPr>
+            <a:picLocks noChangeAspect="1"/>
+          </p:cNvPicPr>
+          <p:nvPr/>
+        </p:nvPicPr>
+        <p:blipFill>
+          <a:blip r:embed="rId8">
+            <a:extLst>
+              <a:ext uri="{28A0092B-C50C-407E-A947-70E740481C1C}">
+                <a14:useLocalDpi xmlns:a14="http://schemas.microsoft.com/office/drawing/2010/main" val="0"/>
+              </a:ext>
+            </a:extLst>
+          </a:blip>
+          <a:stretch>
+            <a:fillRect/>
+          </a:stretch>
+        </p:blipFill>
+        <p:spPr>
+          <a:xfrm>
+            <a:off x="3567697" y="5136762"/>
+            <a:ext cx="925587" cy="215999"/>
+          </a:xfrm>
+          <a:prstGeom prst="rect">
+            <a:avLst/>
+          </a:prstGeom>
+          <a:solidFill>
+            <a:schemeClr val="bg1"/>
+          </a:solidFill>
+          <a:ln w="19050" cmpd="sng">
+            <a:solidFill>
+              <a:schemeClr val="bg1"/>
+            </a:solidFill>
+            <a:miter lim="800000"/>
+          </a:ln>
+        </p:spPr>
+      </p:pic>
+    </p:spTree>
+    <p:extLst>
+      <p:ext uri="{BB962C8B-B14F-4D97-AF65-F5344CB8AC3E}">
+        <p14:creationId xmlns:p14="http://schemas.microsoft.com/office/powerpoint/2010/main" val="2822349563"/>
       </p:ext>
     </p:extLst>
   </p:cSld>

--- a/精雕实验室/数字化示范工厂/数字化示范工厂.pptx
+++ b/精雕实验室/数字化示范工厂/数字化示范工厂.pptx
@@ -6446,6 +6446,140 @@
           </a:ln>
         </p:spPr>
       </p:pic>
+      <p:sp>
+        <p:nvSpPr>
+          <p:cNvPr id="46" name="Rounded Rectangle 4"/>
+          <p:cNvSpPr/>
+          <p:nvPr/>
+        </p:nvSpPr>
+        <p:spPr>
+          <a:xfrm>
+            <a:off x="5747920" y="3764154"/>
+            <a:ext cx="2860728" cy="576000"/>
+          </a:xfrm>
+          <a:prstGeom prst="roundRect">
+            <a:avLst/>
+          </a:prstGeom>
+          <a:solidFill>
+            <a:schemeClr val="bg1">
+              <a:lumMod val="85000"/>
+            </a:schemeClr>
+          </a:solidFill>
+          <a:ln>
+            <a:solidFill>
+              <a:schemeClr val="tx1"/>
+            </a:solidFill>
+          </a:ln>
+          <a:effectLst/>
+        </p:spPr>
+        <p:style>
+          <a:lnRef idx="1">
+            <a:schemeClr val="accent1"/>
+          </a:lnRef>
+          <a:fillRef idx="3">
+            <a:schemeClr val="accent1"/>
+          </a:fillRef>
+          <a:effectRef idx="2">
+            <a:schemeClr val="accent1"/>
+          </a:effectRef>
+          <a:fontRef idx="minor">
+            <a:schemeClr val="lt1"/>
+          </a:fontRef>
+        </p:style>
+        <p:txBody>
+          <a:bodyPr rtlCol="0" anchor="ctr"/>
+          <a:lstStyle/>
+          <a:p>
+            <a:pPr algn="ctr"/>
+            <a:r>
+              <a:rPr lang="zh-CN" altLang="en-US" dirty="0" smtClean="0">
+                <a:solidFill>
+                  <a:srgbClr val="000000"/>
+                </a:solidFill>
+                <a:latin typeface="黑体"/>
+                <a:ea typeface="黑体"/>
+                <a:cs typeface="黑体"/>
+              </a:rPr>
+              <a:t>使用状态（电源端控制）</a:t>
+            </a:r>
+            <a:endParaRPr lang="en-US" dirty="0">
+              <a:solidFill>
+                <a:srgbClr val="000000"/>
+              </a:solidFill>
+              <a:latin typeface="黑体"/>
+              <a:ea typeface="黑体"/>
+              <a:cs typeface="黑体"/>
+            </a:endParaRPr>
+          </a:p>
+        </p:txBody>
+      </p:sp>
+      <p:sp>
+        <p:nvSpPr>
+          <p:cNvPr id="47" name="Rounded Rectangle 4"/>
+          <p:cNvSpPr/>
+          <p:nvPr/>
+        </p:nvSpPr>
+        <p:spPr>
+          <a:xfrm>
+            <a:off x="650834" y="3764154"/>
+            <a:ext cx="2860728" cy="576000"/>
+          </a:xfrm>
+          <a:prstGeom prst="roundRect">
+            <a:avLst/>
+          </a:prstGeom>
+          <a:solidFill>
+            <a:schemeClr val="bg1">
+              <a:lumMod val="85000"/>
+            </a:schemeClr>
+          </a:solidFill>
+          <a:ln>
+            <a:solidFill>
+              <a:schemeClr val="tx1"/>
+            </a:solidFill>
+          </a:ln>
+          <a:effectLst/>
+        </p:spPr>
+        <p:style>
+          <a:lnRef idx="1">
+            <a:schemeClr val="accent1"/>
+          </a:lnRef>
+          <a:fillRef idx="3">
+            <a:schemeClr val="accent1"/>
+          </a:fillRef>
+          <a:effectRef idx="2">
+            <a:schemeClr val="accent1"/>
+          </a:effectRef>
+          <a:fontRef idx="minor">
+            <a:schemeClr val="lt1"/>
+          </a:fontRef>
+        </p:style>
+        <p:txBody>
+          <a:bodyPr rtlCol="0" anchor="ctr"/>
+          <a:lstStyle/>
+          <a:p>
+            <a:pPr algn="ctr"/>
+            <a:r>
+              <a:rPr lang="zh-CN" altLang="en-US" smtClean="0">
+                <a:solidFill>
+                  <a:srgbClr val="000000"/>
+                </a:solidFill>
+                <a:latin typeface="黑体"/>
+                <a:ea typeface="黑体"/>
+                <a:cs typeface="黑体"/>
+              </a:rPr>
+              <a:t>机床状态（控制系统传输）</a:t>
+            </a:r>
+            <a:endParaRPr lang="en-US" dirty="0">
+              <a:solidFill>
+                <a:srgbClr val="000000"/>
+              </a:solidFill>
+              <a:latin typeface="黑体"/>
+              <a:ea typeface="黑体"/>
+              <a:cs typeface="黑体"/>
+            </a:endParaRPr>
+          </a:p>
+        </p:txBody>
+      </p:sp>
     </p:spTree>
     <p:extLst>
       <p:ext uri="{BB962C8B-B14F-4D97-AF65-F5344CB8AC3E}">

--- a/精雕实验室/数字化示范工厂/数字化示范工厂.pptx
+++ b/精雕实验室/数字化示范工厂/数字化示范工厂.pptx
@@ -289,7 +289,7 @@
           <a:p>
             <a:fld id="{B0DF8ED1-346A-E940-881F-AA0B60CC3682}" type="datetimeFigureOut">
               <a:rPr lang="en-US" smtClean="0"/>
-              <a:t>15/9/28</a:t>
+              <a:t>15/9/29</a:t>
             </a:fld>
             <a:endParaRPr lang="en-US"/>
           </a:p>
@@ -459,7 +459,7 @@
           <a:p>
             <a:fld id="{B0DF8ED1-346A-E940-881F-AA0B60CC3682}" type="datetimeFigureOut">
               <a:rPr lang="en-US" smtClean="0"/>
-              <a:t>15/9/28</a:t>
+              <a:t>15/9/29</a:t>
             </a:fld>
             <a:endParaRPr lang="en-US"/>
           </a:p>
@@ -639,7 +639,7 @@
           <a:p>
             <a:fld id="{B0DF8ED1-346A-E940-881F-AA0B60CC3682}" type="datetimeFigureOut">
               <a:rPr lang="en-US" smtClean="0"/>
-              <a:t>15/9/28</a:t>
+              <a:t>15/9/29</a:t>
             </a:fld>
             <a:endParaRPr lang="en-US"/>
           </a:p>
@@ -809,7 +809,7 @@
           <a:p>
             <a:fld id="{B0DF8ED1-346A-E940-881F-AA0B60CC3682}" type="datetimeFigureOut">
               <a:rPr lang="en-US" smtClean="0"/>
-              <a:t>15/9/28</a:t>
+              <a:t>15/9/29</a:t>
             </a:fld>
             <a:endParaRPr lang="en-US"/>
           </a:p>
@@ -1055,7 +1055,7 @@
           <a:p>
             <a:fld id="{B0DF8ED1-346A-E940-881F-AA0B60CC3682}" type="datetimeFigureOut">
               <a:rPr lang="en-US" smtClean="0"/>
-              <a:t>15/9/28</a:t>
+              <a:t>15/9/29</a:t>
             </a:fld>
             <a:endParaRPr lang="en-US"/>
           </a:p>
@@ -1343,7 +1343,7 @@
           <a:p>
             <a:fld id="{B0DF8ED1-346A-E940-881F-AA0B60CC3682}" type="datetimeFigureOut">
               <a:rPr lang="en-US" smtClean="0"/>
-              <a:t>15/9/28</a:t>
+              <a:t>15/9/29</a:t>
             </a:fld>
             <a:endParaRPr lang="en-US"/>
           </a:p>
@@ -1765,7 +1765,7 @@
           <a:p>
             <a:fld id="{B0DF8ED1-346A-E940-881F-AA0B60CC3682}" type="datetimeFigureOut">
               <a:rPr lang="en-US" smtClean="0"/>
-              <a:t>15/9/28</a:t>
+              <a:t>15/9/29</a:t>
             </a:fld>
             <a:endParaRPr lang="en-US"/>
           </a:p>
@@ -1883,7 +1883,7 @@
           <a:p>
             <a:fld id="{B0DF8ED1-346A-E940-881F-AA0B60CC3682}" type="datetimeFigureOut">
               <a:rPr lang="en-US" smtClean="0"/>
-              <a:t>15/9/28</a:t>
+              <a:t>15/9/29</a:t>
             </a:fld>
             <a:endParaRPr lang="en-US"/>
           </a:p>
@@ -1978,7 +1978,7 @@
           <a:p>
             <a:fld id="{B0DF8ED1-346A-E940-881F-AA0B60CC3682}" type="datetimeFigureOut">
               <a:rPr lang="en-US" smtClean="0"/>
-              <a:t>15/9/28</a:t>
+              <a:t>15/9/29</a:t>
             </a:fld>
             <a:endParaRPr lang="en-US"/>
           </a:p>
@@ -2255,7 +2255,7 @@
           <a:p>
             <a:fld id="{B0DF8ED1-346A-E940-881F-AA0B60CC3682}" type="datetimeFigureOut">
               <a:rPr lang="en-US" smtClean="0"/>
-              <a:t>15/9/28</a:t>
+              <a:t>15/9/29</a:t>
             </a:fld>
             <a:endParaRPr lang="en-US"/>
           </a:p>
@@ -2508,7 +2508,7 @@
           <a:p>
             <a:fld id="{B0DF8ED1-346A-E940-881F-AA0B60CC3682}" type="datetimeFigureOut">
               <a:rPr lang="en-US" smtClean="0"/>
-              <a:t>15/9/28</a:t>
+              <a:t>15/9/29</a:t>
             </a:fld>
             <a:endParaRPr lang="en-US"/>
           </a:p>
@@ -2721,7 +2721,7 @@
           <a:p>
             <a:fld id="{B0DF8ED1-346A-E940-881F-AA0B60CC3682}" type="datetimeFigureOut">
               <a:rPr lang="en-US" smtClean="0"/>
-              <a:t>15/9/28</a:t>
+              <a:t>15/9/29</a:t>
             </a:fld>
             <a:endParaRPr lang="en-US"/>
           </a:p>
@@ -4671,8 +4671,8 @@
         </p:nvSpPr>
         <p:spPr>
           <a:xfrm>
-            <a:off x="254000" y="278190"/>
-            <a:ext cx="8744857" cy="6434666"/>
+            <a:off x="81198" y="570485"/>
+            <a:ext cx="8981604" cy="6181637"/>
           </a:xfrm>
           <a:prstGeom prst="roundRect">
             <a:avLst>
@@ -4722,18 +4722,73 @@
       </p:sp>
       <p:sp>
         <p:nvSpPr>
+          <p:cNvPr id="50" name="Rounded Rectangle 63"/>
+          <p:cNvSpPr/>
+          <p:nvPr/>
+        </p:nvSpPr>
+        <p:spPr>
+          <a:xfrm>
+            <a:off x="199572" y="4590759"/>
+            <a:ext cx="8745434" cy="2080356"/>
+          </a:xfrm>
+          <a:prstGeom prst="roundRect">
+            <a:avLst>
+              <a:gd name="adj" fmla="val 5265"/>
+            </a:avLst>
+          </a:prstGeom>
+          <a:solidFill>
+            <a:schemeClr val="bg1">
+              <a:lumMod val="85000"/>
+            </a:schemeClr>
+          </a:solidFill>
+          <a:ln>
+            <a:noFill/>
+          </a:ln>
+          <a:effectLst/>
+        </p:spPr>
+        <p:style>
+          <a:lnRef idx="1">
+            <a:schemeClr val="accent1"/>
+          </a:lnRef>
+          <a:fillRef idx="3">
+            <a:schemeClr val="accent1"/>
+          </a:fillRef>
+          <a:effectRef idx="2">
+            <a:schemeClr val="accent1"/>
+          </a:effectRef>
+          <a:fontRef idx="minor">
+            <a:schemeClr val="lt1"/>
+          </a:fontRef>
+        </p:style>
+        <p:txBody>
+          <a:bodyPr rtlCol="0" anchor="ctr"/>
+          <a:lstStyle/>
+          <a:p>
+            <a:endParaRPr lang="en-US" dirty="0">
+              <a:solidFill>
+                <a:srgbClr val="000000"/>
+              </a:solidFill>
+              <a:latin typeface="黑体"/>
+              <a:ea typeface="黑体"/>
+              <a:cs typeface="黑体"/>
+            </a:endParaRPr>
+          </a:p>
+        </p:txBody>
+      </p:sp>
+      <p:sp>
+        <p:nvSpPr>
           <p:cNvPr id="39" name="Rounded Rectangle 63"/>
           <p:cNvSpPr/>
           <p:nvPr/>
         </p:nvSpPr>
         <p:spPr>
           <a:xfrm>
-            <a:off x="2081198" y="1330707"/>
-            <a:ext cx="5097086" cy="1979998"/>
+            <a:off x="2026769" y="1623002"/>
+            <a:ext cx="5097086" cy="1701275"/>
           </a:xfrm>
           <a:prstGeom prst="roundRect">
             <a:avLst>
-              <a:gd name="adj" fmla="val 2005"/>
+              <a:gd name="adj" fmla="val 7803"/>
             </a:avLst>
           </a:prstGeom>
           <a:solidFill>
@@ -4742,9 +4797,7 @@
             </a:schemeClr>
           </a:solidFill>
           <a:ln>
-            <a:solidFill>
-              <a:schemeClr val="tx1"/>
-            </a:solidFill>
+            <a:noFill/>
           </a:ln>
           <a:effectLst/>
         </p:spPr>
@@ -4796,7 +4849,7 @@
         </p:nvSpPr>
         <p:spPr>
           <a:xfrm>
-            <a:off x="489451" y="4668762"/>
+            <a:off x="435022" y="4691117"/>
             <a:ext cx="1152000" cy="576000"/>
           </a:xfrm>
           <a:prstGeom prst="roundRect">
@@ -4863,7 +4916,7 @@
         </p:nvSpPr>
         <p:spPr>
           <a:xfrm>
-            <a:off x="489451" y="3602095"/>
+            <a:off x="435022" y="3624450"/>
             <a:ext cx="8277572" cy="576000"/>
           </a:xfrm>
           <a:prstGeom prst="roundRect">
@@ -4930,7 +4983,7 @@
         </p:nvSpPr>
         <p:spPr>
           <a:xfrm>
-            <a:off x="1804606" y="4668762"/>
+            <a:off x="1750177" y="4691117"/>
             <a:ext cx="1296000" cy="576000"/>
           </a:xfrm>
           <a:prstGeom prst="roundRect">
@@ -4997,7 +5050,7 @@
         </p:nvSpPr>
         <p:spPr>
           <a:xfrm>
-            <a:off x="3263761" y="4668762"/>
+            <a:off x="3209332" y="4691117"/>
             <a:ext cx="1296000" cy="576000"/>
           </a:xfrm>
           <a:prstGeom prst="roundRect">
@@ -5064,7 +5117,7 @@
         </p:nvSpPr>
         <p:spPr>
           <a:xfrm>
-            <a:off x="4722916" y="4668762"/>
+            <a:off x="4668487" y="4691117"/>
             <a:ext cx="2152953" cy="576000"/>
           </a:xfrm>
           <a:prstGeom prst="roundRect">
@@ -5131,7 +5184,7 @@
         </p:nvSpPr>
         <p:spPr>
           <a:xfrm>
-            <a:off x="7039023" y="4668762"/>
+            <a:off x="6984594" y="4691117"/>
             <a:ext cx="1728000" cy="576000"/>
           </a:xfrm>
           <a:prstGeom prst="roundRect">
@@ -5198,7 +5251,7 @@
         </p:nvSpPr>
         <p:spPr>
           <a:xfrm>
-            <a:off x="489451" y="5950858"/>
+            <a:off x="5532109" y="5973213"/>
             <a:ext cx="1296000" cy="576000"/>
           </a:xfrm>
           <a:prstGeom prst="roundRect">
@@ -5265,7 +5318,7 @@
         </p:nvSpPr>
         <p:spPr>
           <a:xfrm>
-            <a:off x="2081198" y="5950858"/>
+            <a:off x="435022" y="5973213"/>
             <a:ext cx="2057593" cy="576000"/>
           </a:xfrm>
           <a:prstGeom prst="roundRect">
@@ -5332,8 +5385,8 @@
         </p:nvSpPr>
         <p:spPr>
           <a:xfrm>
-            <a:off x="2271709" y="2564412"/>
-            <a:ext cx="4713056" cy="576000"/>
+            <a:off x="2217280" y="2677199"/>
+            <a:ext cx="4713056" cy="431999"/>
           </a:xfrm>
           <a:prstGeom prst="roundRect">
             <a:avLst/>
@@ -5399,8 +5452,8 @@
         </p:nvSpPr>
         <p:spPr>
           <a:xfrm>
-            <a:off x="2271709" y="1526730"/>
-            <a:ext cx="4713056" cy="576000"/>
+            <a:off x="2217280" y="1819026"/>
+            <a:ext cx="4713056" cy="431999"/>
           </a:xfrm>
           <a:prstGeom prst="roundRect">
             <a:avLst/>
@@ -5466,7 +5519,7 @@
         </p:nvSpPr>
         <p:spPr>
           <a:xfrm>
-            <a:off x="4434538" y="5950858"/>
+            <a:off x="2788362" y="5973213"/>
             <a:ext cx="2448000" cy="576000"/>
           </a:xfrm>
           <a:prstGeom prst="roundRect">
@@ -5533,7 +5586,7 @@
         </p:nvSpPr>
         <p:spPr>
           <a:xfrm>
-            <a:off x="7178284" y="5950858"/>
+            <a:off x="7123855" y="5973213"/>
             <a:ext cx="1588739" cy="576000"/>
           </a:xfrm>
           <a:prstGeom prst="roundRect">
@@ -5600,7 +5653,7 @@
         </p:nvSpPr>
         <p:spPr>
           <a:xfrm>
-            <a:off x="489451" y="489048"/>
+            <a:off x="435022" y="781343"/>
             <a:ext cx="8277572" cy="576000"/>
           </a:xfrm>
           <a:prstGeom prst="roundRect">
@@ -5670,8 +5723,8 @@
         </p:nvCxnSpPr>
         <p:spPr>
           <a:xfrm>
-            <a:off x="4628237" y="1065048"/>
-            <a:ext cx="0" cy="461682"/>
+            <a:off x="4573808" y="1357343"/>
+            <a:ext cx="0" cy="461683"/>
           </a:xfrm>
           <a:prstGeom prst="straightConnector1">
             <a:avLst/>
@@ -5716,8 +5769,8 @@
         </p:nvCxnSpPr>
         <p:spPr>
           <a:xfrm>
-            <a:off x="4628237" y="2102730"/>
-            <a:ext cx="0" cy="461682"/>
+            <a:off x="4573808" y="2251025"/>
+            <a:ext cx="0" cy="426174"/>
           </a:xfrm>
           <a:prstGeom prst="straightConnector1">
             <a:avLst/>
@@ -5762,7 +5815,7 @@
         </p:nvCxnSpPr>
         <p:spPr>
           <a:xfrm rot="5400000" flipH="1" flipV="1">
-            <a:off x="2601511" y="2642036"/>
+            <a:off x="2547082" y="2664391"/>
             <a:ext cx="490667" cy="3562786"/>
           </a:xfrm>
           <a:prstGeom prst="bentConnector3">
@@ -5808,7 +5861,7 @@
         </p:nvCxnSpPr>
         <p:spPr>
           <a:xfrm rot="5400000" flipH="1" flipV="1">
-            <a:off x="3295088" y="3335614"/>
+            <a:off x="3240659" y="3357969"/>
             <a:ext cx="490667" cy="2175631"/>
           </a:xfrm>
           <a:prstGeom prst="bentConnector3">
@@ -5856,7 +5909,7 @@
         </p:nvCxnSpPr>
         <p:spPr>
           <a:xfrm rot="5400000" flipH="1" flipV="1">
-            <a:off x="4024666" y="4065191"/>
+            <a:off x="3970237" y="4087546"/>
             <a:ext cx="490667" cy="716476"/>
           </a:xfrm>
           <a:prstGeom prst="bentConnector3">
@@ -5904,7 +5957,7 @@
         </p:nvCxnSpPr>
         <p:spPr>
           <a:xfrm rot="16200000" flipV="1">
-            <a:off x="4968482" y="3837851"/>
+            <a:off x="4914053" y="3860206"/>
             <a:ext cx="490667" cy="1171156"/>
           </a:xfrm>
           <a:prstGeom prst="bentConnector3">
@@ -5952,7 +6005,7 @@
         </p:nvCxnSpPr>
         <p:spPr>
           <a:xfrm rot="16200000" flipV="1">
-            <a:off x="6020297" y="2786036"/>
+            <a:off x="5965868" y="2808391"/>
             <a:ext cx="490667" cy="3274786"/>
           </a:xfrm>
           <a:prstGeom prst="bentConnector3">
@@ -5999,13 +6052,13 @@
           <p:nvPr/>
         </p:nvCxnSpPr>
         <p:spPr>
-          <a:xfrm rot="5400000" flipH="1" flipV="1">
-            <a:off x="1996463" y="3319084"/>
-            <a:ext cx="1772763" cy="3490786"/>
+          <a:xfrm rot="16200000" flipV="1">
+            <a:off x="4490578" y="4283681"/>
+            <a:ext cx="1772763" cy="1606301"/>
           </a:xfrm>
           <a:prstGeom prst="bentConnector3">
             <a:avLst>
-              <a:gd name="adj1" fmla="val 21344"/>
+              <a:gd name="adj1" fmla="val 21135"/>
             </a:avLst>
           </a:prstGeom>
           <a:solidFill>
@@ -6048,12 +6101,12 @@
         </p:nvCxnSpPr>
         <p:spPr>
           <a:xfrm rot="5400000" flipH="1" flipV="1">
-            <a:off x="2982735" y="4305356"/>
-            <a:ext cx="1772763" cy="1518242"/>
+            <a:off x="2132432" y="3531838"/>
+            <a:ext cx="1772763" cy="3109989"/>
           </a:xfrm>
           <a:prstGeom prst="bentConnector3">
             <a:avLst>
-              <a:gd name="adj1" fmla="val 21344"/>
+              <a:gd name="adj1" fmla="val 21135"/>
             </a:avLst>
           </a:prstGeom>
           <a:solidFill>
@@ -6095,13 +6148,13 @@
           <p:nvPr/>
         </p:nvCxnSpPr>
         <p:spPr>
-          <a:xfrm rot="16200000" flipV="1">
-            <a:off x="4257007" y="4549326"/>
-            <a:ext cx="1772763" cy="1030301"/>
+          <a:xfrm rot="5400000" flipH="1" flipV="1">
+            <a:off x="3406704" y="4806109"/>
+            <a:ext cx="1772763" cy="561446"/>
           </a:xfrm>
           <a:prstGeom prst="bentConnector3">
             <a:avLst>
-              <a:gd name="adj1" fmla="val 21344"/>
+              <a:gd name="adj1" fmla="val 21135"/>
             </a:avLst>
           </a:prstGeom>
           <a:solidFill>
@@ -6144,12 +6197,12 @@
         </p:nvCxnSpPr>
         <p:spPr>
           <a:xfrm rot="16200000" flipV="1">
-            <a:off x="5414065" y="3392268"/>
+            <a:off x="5359636" y="3414623"/>
             <a:ext cx="1772763" cy="3344417"/>
           </a:xfrm>
           <a:prstGeom prst="bentConnector3">
             <a:avLst>
-              <a:gd name="adj1" fmla="val 21344"/>
+              <a:gd name="adj1" fmla="val 20996"/>
             </a:avLst>
           </a:prstGeom>
           <a:solidFill>
@@ -6192,8 +6245,8 @@
         </p:nvCxnSpPr>
         <p:spPr>
           <a:xfrm flipV="1">
-            <a:off x="4628237" y="3140412"/>
-            <a:ext cx="0" cy="461683"/>
+            <a:off x="4573808" y="3109198"/>
+            <a:ext cx="0" cy="515252"/>
           </a:xfrm>
           <a:prstGeom prst="straightConnector1">
             <a:avLst/>
@@ -6249,7 +6302,7 @@
         </p:blipFill>
         <p:spPr>
           <a:xfrm>
-            <a:off x="3050908" y="6387745"/>
+            <a:off x="2996479" y="6410100"/>
             <a:ext cx="979583" cy="287999"/>
           </a:xfrm>
           <a:prstGeom prst="rect">
@@ -6279,7 +6332,7 @@
         </p:blipFill>
         <p:spPr>
           <a:xfrm>
-            <a:off x="675498" y="5118762"/>
+            <a:off x="621069" y="5141117"/>
             <a:ext cx="1057413" cy="252000"/>
           </a:xfrm>
           <a:prstGeom prst="rect">
@@ -6309,7 +6362,7 @@
         </p:blipFill>
         <p:spPr>
           <a:xfrm>
-            <a:off x="6695211" y="907188"/>
+            <a:off x="6640782" y="1199483"/>
             <a:ext cx="1984582" cy="288000"/>
           </a:xfrm>
           <a:prstGeom prst="rect">
@@ -6339,7 +6392,7 @@
         </p:blipFill>
         <p:spPr>
           <a:xfrm>
-            <a:off x="5448493" y="907188"/>
+            <a:off x="5394064" y="1199483"/>
             <a:ext cx="1152000" cy="288000"/>
           </a:xfrm>
           <a:prstGeom prst="rect">
@@ -6369,7 +6422,7 @@
         </p:blipFill>
         <p:spPr>
           <a:xfrm>
-            <a:off x="5658539" y="2174512"/>
+            <a:off x="5604110" y="2322807"/>
             <a:ext cx="1202400" cy="288000"/>
           </a:xfrm>
           <a:prstGeom prst="rect">
@@ -6399,7 +6452,7 @@
         </p:blipFill>
         <p:spPr>
           <a:xfrm>
-            <a:off x="4793790" y="2174512"/>
+            <a:off x="4739361" y="2322807"/>
             <a:ext cx="754654" cy="288000"/>
           </a:xfrm>
           <a:prstGeom prst="rect">
@@ -6429,7 +6482,7 @@
         </p:blipFill>
         <p:spPr>
           <a:xfrm>
-            <a:off x="3567697" y="5136762"/>
+            <a:off x="3513268" y="5159117"/>
             <a:ext cx="925587" cy="215999"/>
           </a:xfrm>
           <a:prstGeom prst="rect">
@@ -6454,8 +6507,8 @@
         </p:nvSpPr>
         <p:spPr>
           <a:xfrm>
-            <a:off x="5747920" y="3764154"/>
-            <a:ext cx="2860728" cy="576000"/>
+            <a:off x="6461881" y="3930510"/>
+            <a:ext cx="2163483" cy="431999"/>
           </a:xfrm>
           <a:prstGeom prst="roundRect">
             <a:avLst/>
@@ -6492,7 +6545,7 @@
           <a:p>
             <a:pPr algn="ctr"/>
             <a:r>
-              <a:rPr lang="zh-CN" altLang="en-US" dirty="0" smtClean="0">
+              <a:rPr lang="zh-CN" altLang="en-US" sz="1200" dirty="0" smtClean="0">
                 <a:solidFill>
                   <a:srgbClr val="000000"/>
                 </a:solidFill>
@@ -6502,7 +6555,7 @@
               </a:rPr>
               <a:t>使用状态（电源端控制）</a:t>
             </a:r>
-            <a:endParaRPr lang="en-US" dirty="0">
+            <a:endParaRPr lang="en-US" sz="1200" dirty="0">
               <a:solidFill>
                 <a:srgbClr val="000000"/>
               </a:solidFill>
@@ -6521,8 +6574,8 @@
         </p:nvSpPr>
         <p:spPr>
           <a:xfrm>
-            <a:off x="650834" y="3764154"/>
-            <a:ext cx="2860728" cy="576000"/>
+            <a:off x="521329" y="3930227"/>
+            <a:ext cx="2146949" cy="432282"/>
           </a:xfrm>
           <a:prstGeom prst="roundRect">
             <a:avLst/>
@@ -6559,7 +6612,7 @@
           <a:p>
             <a:pPr algn="ctr"/>
             <a:r>
-              <a:rPr lang="zh-CN" altLang="en-US" smtClean="0">
+              <a:rPr lang="zh-CN" altLang="en-US" sz="1200" dirty="0" smtClean="0">
                 <a:solidFill>
                   <a:srgbClr val="000000"/>
                 </a:solidFill>
@@ -6569,7 +6622,7 @@
               </a:rPr>
               <a:t>机床状态（控制系统传输）</a:t>
             </a:r>
-            <a:endParaRPr lang="en-US" dirty="0">
+            <a:endParaRPr lang="en-US" sz="1200" dirty="0">
               <a:solidFill>
                 <a:srgbClr val="000000"/>
               </a:solidFill>
@@ -6577,6 +6630,439 @@
               <a:ea typeface="黑体"/>
               <a:cs typeface="黑体"/>
             </a:endParaRPr>
+          </a:p>
+        </p:txBody>
+      </p:sp>
+      <p:sp>
+        <p:nvSpPr>
+          <p:cNvPr id="19" name="文本框 18"/>
+          <p:cNvSpPr txBox="1"/>
+          <p:nvPr/>
+        </p:nvSpPr>
+        <p:spPr>
+          <a:xfrm>
+            <a:off x="521329" y="916642"/>
+            <a:ext cx="971617" cy="276999"/>
+          </a:xfrm>
+          <a:prstGeom prst="rect">
+            <a:avLst/>
+          </a:prstGeom>
+          <a:noFill/>
+        </p:spPr>
+        <p:txBody>
+          <a:bodyPr wrap="square" rtlCol="0">
+            <a:spAutoFit/>
+          </a:bodyPr>
+          <a:lstStyle/>
+          <a:p>
+            <a:pPr algn="ctr"/>
+            <a:r>
+              <a:rPr kumimoji="1" lang="zh-CN" altLang="en-US" sz="1200" b="1" dirty="0" smtClean="0">
+                <a:latin typeface="华文仿宋"/>
+                <a:ea typeface="华文仿宋"/>
+                <a:cs typeface="华文仿宋"/>
+              </a:rPr>
+              <a:t>物理模型层</a:t>
+            </a:r>
+            <a:endParaRPr kumimoji="1" lang="zh-CN" altLang="en-US" sz="1200" b="1" dirty="0">
+              <a:latin typeface="华文仿宋"/>
+              <a:ea typeface="华文仿宋"/>
+              <a:cs typeface="华文仿宋"/>
+            </a:endParaRPr>
+          </a:p>
+        </p:txBody>
+      </p:sp>
+      <p:sp>
+        <p:nvSpPr>
+          <p:cNvPr id="40" name="文本框 39"/>
+          <p:cNvSpPr txBox="1"/>
+          <p:nvPr/>
+        </p:nvSpPr>
+        <p:spPr>
+          <a:xfrm>
+            <a:off x="119255" y="5437749"/>
+            <a:ext cx="1003627" cy="276999"/>
+          </a:xfrm>
+          <a:prstGeom prst="rect">
+            <a:avLst/>
+          </a:prstGeom>
+          <a:noFill/>
+        </p:spPr>
+        <p:txBody>
+          <a:bodyPr wrap="square" rtlCol="0">
+            <a:spAutoFit/>
+          </a:bodyPr>
+          <a:lstStyle/>
+          <a:p>
+            <a:pPr algn="ctr"/>
+            <a:r>
+              <a:rPr kumimoji="1" lang="zh-CN" altLang="en-US" sz="1200" b="1" dirty="0" smtClean="0">
+                <a:latin typeface="华文仿宋"/>
+                <a:ea typeface="华文仿宋"/>
+                <a:cs typeface="华文仿宋"/>
+              </a:rPr>
+              <a:t>物理设备层</a:t>
+            </a:r>
+            <a:endParaRPr kumimoji="1" lang="zh-CN" altLang="en-US" sz="1200" b="1" dirty="0">
+              <a:latin typeface="华文仿宋"/>
+              <a:ea typeface="华文仿宋"/>
+              <a:cs typeface="华文仿宋"/>
+            </a:endParaRPr>
+          </a:p>
+        </p:txBody>
+      </p:sp>
+      <p:sp>
+        <p:nvSpPr>
+          <p:cNvPr id="45" name="文本框 44"/>
+          <p:cNvSpPr txBox="1"/>
+          <p:nvPr/>
+        </p:nvSpPr>
+        <p:spPr>
+          <a:xfrm>
+            <a:off x="515152" y="3652982"/>
+            <a:ext cx="681869" cy="276999"/>
+          </a:xfrm>
+          <a:prstGeom prst="rect">
+            <a:avLst/>
+          </a:prstGeom>
+          <a:noFill/>
+        </p:spPr>
+        <p:txBody>
+          <a:bodyPr wrap="square" rtlCol="0">
+            <a:spAutoFit/>
+          </a:bodyPr>
+          <a:lstStyle/>
+          <a:p>
+            <a:pPr algn="ctr"/>
+            <a:r>
+              <a:rPr kumimoji="1" lang="zh-CN" altLang="en-US" sz="1200" b="1" dirty="0" smtClean="0">
+                <a:latin typeface="华文仿宋"/>
+                <a:ea typeface="华文仿宋"/>
+                <a:cs typeface="华文仿宋"/>
+              </a:rPr>
+              <a:t>接口层</a:t>
+            </a:r>
+            <a:endParaRPr kumimoji="1" lang="zh-CN" altLang="en-US" sz="1200" b="1" dirty="0">
+              <a:latin typeface="华文仿宋"/>
+              <a:ea typeface="华文仿宋"/>
+              <a:cs typeface="华文仿宋"/>
+            </a:endParaRPr>
+          </a:p>
+        </p:txBody>
+      </p:sp>
+      <p:sp>
+        <p:nvSpPr>
+          <p:cNvPr id="48" name="文本框 47"/>
+          <p:cNvSpPr txBox="1"/>
+          <p:nvPr/>
+        </p:nvSpPr>
+        <p:spPr>
+          <a:xfrm>
+            <a:off x="2275070" y="1863612"/>
+            <a:ext cx="681869" cy="276999"/>
+          </a:xfrm>
+          <a:prstGeom prst="rect">
+            <a:avLst/>
+          </a:prstGeom>
+          <a:noFill/>
+        </p:spPr>
+        <p:txBody>
+          <a:bodyPr wrap="square" rtlCol="0">
+            <a:spAutoFit/>
+          </a:bodyPr>
+          <a:lstStyle/>
+          <a:p>
+            <a:pPr algn="ctr"/>
+            <a:r>
+              <a:rPr kumimoji="1" lang="zh-CN" altLang="en-US" sz="1200" b="1" dirty="0" smtClean="0">
+                <a:latin typeface="华文仿宋"/>
+                <a:ea typeface="华文仿宋"/>
+                <a:cs typeface="华文仿宋"/>
+              </a:rPr>
+              <a:t>系统层</a:t>
+            </a:r>
+            <a:endParaRPr kumimoji="1" lang="zh-CN" altLang="en-US" sz="1200" b="1" dirty="0">
+              <a:latin typeface="华文仿宋"/>
+              <a:ea typeface="华文仿宋"/>
+              <a:cs typeface="华文仿宋"/>
+            </a:endParaRPr>
+          </a:p>
+        </p:txBody>
+      </p:sp>
+      <p:sp>
+        <p:nvSpPr>
+          <p:cNvPr id="49" name="文本框 48"/>
+          <p:cNvSpPr txBox="1"/>
+          <p:nvPr/>
+        </p:nvSpPr>
+        <p:spPr>
+          <a:xfrm>
+            <a:off x="2275070" y="2713690"/>
+            <a:ext cx="681869" cy="276999"/>
+          </a:xfrm>
+          <a:prstGeom prst="rect">
+            <a:avLst/>
+          </a:prstGeom>
+          <a:noFill/>
+        </p:spPr>
+        <p:txBody>
+          <a:bodyPr wrap="square" rtlCol="0">
+            <a:spAutoFit/>
+          </a:bodyPr>
+          <a:lstStyle/>
+          <a:p>
+            <a:pPr algn="ctr"/>
+            <a:r>
+              <a:rPr kumimoji="1" lang="zh-CN" altLang="en-US" sz="1200" b="1" dirty="0" smtClean="0">
+                <a:latin typeface="华文仿宋"/>
+                <a:ea typeface="华文仿宋"/>
+                <a:cs typeface="华文仿宋"/>
+              </a:rPr>
+              <a:t>数据层</a:t>
+            </a:r>
+            <a:endParaRPr kumimoji="1" lang="zh-CN" altLang="en-US" sz="1200" b="1" dirty="0">
+              <a:latin typeface="华文仿宋"/>
+              <a:ea typeface="华文仿宋"/>
+              <a:cs typeface="华文仿宋"/>
+            </a:endParaRPr>
+          </a:p>
+        </p:txBody>
+      </p:sp>
+      <p:sp>
+        <p:nvSpPr>
+          <p:cNvPr id="51" name="Rounded Rectangle 4"/>
+          <p:cNvSpPr/>
+          <p:nvPr/>
+        </p:nvSpPr>
+        <p:spPr>
+          <a:xfrm>
+            <a:off x="5351552" y="3930510"/>
+            <a:ext cx="786826" cy="431999"/>
+          </a:xfrm>
+          <a:prstGeom prst="roundRect">
+            <a:avLst/>
+          </a:prstGeom>
+          <a:solidFill>
+            <a:schemeClr val="bg1">
+              <a:lumMod val="85000"/>
+            </a:schemeClr>
+          </a:solidFill>
+          <a:ln>
+            <a:solidFill>
+              <a:schemeClr val="tx1"/>
+            </a:solidFill>
+          </a:ln>
+          <a:effectLst/>
+        </p:spPr>
+        <p:style>
+          <a:lnRef idx="1">
+            <a:schemeClr val="accent1"/>
+          </a:lnRef>
+          <a:fillRef idx="3">
+            <a:schemeClr val="accent1"/>
+          </a:fillRef>
+          <a:effectRef idx="2">
+            <a:schemeClr val="accent1"/>
+          </a:effectRef>
+          <a:fontRef idx="minor">
+            <a:schemeClr val="lt1"/>
+          </a:fontRef>
+        </p:style>
+        <p:txBody>
+          <a:bodyPr rtlCol="0" anchor="ctr"/>
+          <a:lstStyle/>
+          <a:p>
+            <a:pPr algn="ctr"/>
+            <a:r>
+              <a:rPr lang="zh-CN" altLang="en-US" sz="1200" dirty="0" smtClean="0">
+                <a:solidFill>
+                  <a:srgbClr val="000000"/>
+                </a:solidFill>
+                <a:latin typeface="黑体"/>
+                <a:ea typeface="黑体"/>
+                <a:cs typeface="黑体"/>
+              </a:rPr>
+              <a:t>传感器</a:t>
+            </a:r>
+            <a:endParaRPr lang="en-US" sz="1200" dirty="0">
+              <a:solidFill>
+                <a:srgbClr val="000000"/>
+              </a:solidFill>
+              <a:latin typeface="黑体"/>
+              <a:ea typeface="黑体"/>
+              <a:cs typeface="黑体"/>
+            </a:endParaRPr>
+          </a:p>
+        </p:txBody>
+      </p:sp>
+      <p:sp>
+        <p:nvSpPr>
+          <p:cNvPr id="52" name="Rounded Rectangle 4"/>
+          <p:cNvSpPr/>
+          <p:nvPr/>
+        </p:nvSpPr>
+        <p:spPr>
+          <a:xfrm>
+            <a:off x="2956939" y="3930510"/>
+            <a:ext cx="860853" cy="431999"/>
+          </a:xfrm>
+          <a:prstGeom prst="roundRect">
+            <a:avLst/>
+          </a:prstGeom>
+          <a:solidFill>
+            <a:schemeClr val="bg1">
+              <a:lumMod val="85000"/>
+            </a:schemeClr>
+          </a:solidFill>
+          <a:ln>
+            <a:solidFill>
+              <a:schemeClr val="tx1"/>
+            </a:solidFill>
+          </a:ln>
+          <a:effectLst/>
+        </p:spPr>
+        <p:style>
+          <a:lnRef idx="1">
+            <a:schemeClr val="accent1"/>
+          </a:lnRef>
+          <a:fillRef idx="3">
+            <a:schemeClr val="accent1"/>
+          </a:fillRef>
+          <a:effectRef idx="2">
+            <a:schemeClr val="accent1"/>
+          </a:effectRef>
+          <a:fontRef idx="minor">
+            <a:schemeClr val="lt1"/>
+          </a:fontRef>
+        </p:style>
+        <p:txBody>
+          <a:bodyPr rtlCol="0" anchor="ctr"/>
+          <a:lstStyle/>
+          <a:p>
+            <a:pPr algn="ctr"/>
+            <a:r>
+              <a:rPr lang="zh-CN" altLang="en-US" sz="1200" dirty="0" smtClean="0">
+                <a:solidFill>
+                  <a:srgbClr val="000000"/>
+                </a:solidFill>
+                <a:latin typeface="黑体"/>
+                <a:ea typeface="黑体"/>
+                <a:cs typeface="黑体"/>
+              </a:rPr>
+              <a:t>数字标签</a:t>
+            </a:r>
+            <a:endParaRPr lang="en-US" sz="1200" dirty="0">
+              <a:solidFill>
+                <a:srgbClr val="000000"/>
+              </a:solidFill>
+              <a:latin typeface="黑体"/>
+              <a:ea typeface="黑体"/>
+              <a:cs typeface="黑体"/>
+            </a:endParaRPr>
+          </a:p>
+        </p:txBody>
+      </p:sp>
+      <p:sp>
+        <p:nvSpPr>
+          <p:cNvPr id="30" name="文本框 29"/>
+          <p:cNvSpPr txBox="1"/>
+          <p:nvPr/>
+        </p:nvSpPr>
+        <p:spPr>
+          <a:xfrm>
+            <a:off x="2065226" y="87555"/>
+            <a:ext cx="5013549" cy="369332"/>
+          </a:xfrm>
+          <a:prstGeom prst="rect">
+            <a:avLst/>
+          </a:prstGeom>
+          <a:noFill/>
+        </p:spPr>
+        <p:txBody>
+          <a:bodyPr wrap="none" rtlCol="0">
+            <a:spAutoFit/>
+          </a:bodyPr>
+          <a:lstStyle/>
+          <a:p>
+            <a:pPr algn="ctr"/>
+            <a:r>
+              <a:rPr kumimoji="1" lang="en-US" altLang="zh-CN" b="1" dirty="0" smtClean="0">
+                <a:latin typeface="华文仿宋"/>
+                <a:ea typeface="华文仿宋"/>
+                <a:cs typeface="华文仿宋"/>
+              </a:rPr>
+              <a:t>《</a:t>
+            </a:r>
+            <a:r>
+              <a:rPr kumimoji="1" lang="zh-CN" altLang="en-US" b="1" dirty="0" smtClean="0">
+                <a:latin typeface="华文仿宋"/>
+                <a:ea typeface="华文仿宋"/>
+                <a:cs typeface="华文仿宋"/>
+              </a:rPr>
+              <a:t>工业系统基础</a:t>
+            </a:r>
+            <a:r>
+              <a:rPr kumimoji="1" lang="en-US" altLang="zh-CN" b="1" dirty="0" smtClean="0">
+                <a:latin typeface="华文仿宋"/>
+                <a:ea typeface="华文仿宋"/>
+                <a:cs typeface="华文仿宋"/>
+              </a:rPr>
+              <a:t>》——</a:t>
+            </a:r>
+            <a:r>
+              <a:rPr kumimoji="1" lang="zh-CN" altLang="en-US" b="1" dirty="0" smtClean="0">
+                <a:latin typeface="华文仿宋"/>
+                <a:ea typeface="华文仿宋"/>
+                <a:cs typeface="华文仿宋"/>
+              </a:rPr>
+              <a:t>数字化示范工厂架构设计</a:t>
+            </a:r>
+            <a:endParaRPr kumimoji="1" lang="zh-CN" altLang="en-US" b="1" dirty="0">
+              <a:latin typeface="华文仿宋"/>
+              <a:ea typeface="华文仿宋"/>
+              <a:cs typeface="华文仿宋"/>
+            </a:endParaRPr>
+          </a:p>
+        </p:txBody>
+      </p:sp>
+      <p:sp>
+        <p:nvSpPr>
+          <p:cNvPr id="37" name="文本框 36"/>
+          <p:cNvSpPr txBox="1"/>
+          <p:nvPr/>
+        </p:nvSpPr>
+        <p:spPr>
+          <a:xfrm>
+            <a:off x="7486957" y="308875"/>
+            <a:ext cx="723275" cy="261610"/>
+          </a:xfrm>
+          <a:prstGeom prst="rect">
+            <a:avLst/>
+          </a:prstGeom>
+          <a:noFill/>
+        </p:spPr>
+        <p:txBody>
+          <a:bodyPr wrap="none" rtlCol="0">
+            <a:spAutoFit/>
+          </a:bodyPr>
+          <a:lstStyle>
+            <a:defPPr>
+              <a:defRPr lang="en-US"/>
+            </a:defPPr>
+            <a:lvl1pPr algn="ctr">
+              <a:defRPr kumimoji="1" b="1">
+                <a:latin typeface="华文仿宋"/>
+                <a:ea typeface="华文仿宋"/>
+                <a:cs typeface="华文仿宋"/>
+              </a:defRPr>
+            </a:lvl1pPr>
+          </a:lstStyle>
+          <a:p>
+            <a:r>
+              <a:rPr lang="en-US" altLang="zh-CN" sz="1100" dirty="0"/>
+              <a:t>2015.9.28</a:t>
+            </a:r>
+            <a:endParaRPr lang="zh-CN" altLang="en-US" sz="1100" dirty="0"/>
           </a:p>
         </p:txBody>
       </p:sp>

--- a/精雕实验室/数字化示范工厂/数字化示范工厂.pptx
+++ b/精雕实验室/数字化示范工厂/数字化示范工厂.pptx
@@ -6,7 +6,7 @@
   </p:sldMasterIdLst>
   <p:sldIdLst>
     <p:sldId id="256" r:id="rId2"/>
-    <p:sldId id="257" r:id="rId3"/>
+    <p:sldId id="258" r:id="rId3"/>
   </p:sldIdLst>
   <p:sldSz cx="9144000" cy="6858000" type="screen4x3"/>
   <p:notesSz cx="6858000" cy="9144000"/>
@@ -289,7 +289,7 @@
           <a:p>
             <a:fld id="{B0DF8ED1-346A-E940-881F-AA0B60CC3682}" type="datetimeFigureOut">
               <a:rPr lang="en-US" smtClean="0"/>
-              <a:t>15/9/29</a:t>
+              <a:t>15/10/4</a:t>
             </a:fld>
             <a:endParaRPr lang="en-US"/>
           </a:p>
@@ -459,7 +459,7 @@
           <a:p>
             <a:fld id="{B0DF8ED1-346A-E940-881F-AA0B60CC3682}" type="datetimeFigureOut">
               <a:rPr lang="en-US" smtClean="0"/>
-              <a:t>15/9/29</a:t>
+              <a:t>15/10/4</a:t>
             </a:fld>
             <a:endParaRPr lang="en-US"/>
           </a:p>
@@ -639,7 +639,7 @@
           <a:p>
             <a:fld id="{B0DF8ED1-346A-E940-881F-AA0B60CC3682}" type="datetimeFigureOut">
               <a:rPr lang="en-US" smtClean="0"/>
-              <a:t>15/9/29</a:t>
+              <a:t>15/10/4</a:t>
             </a:fld>
             <a:endParaRPr lang="en-US"/>
           </a:p>
@@ -809,7 +809,7 @@
           <a:p>
             <a:fld id="{B0DF8ED1-346A-E940-881F-AA0B60CC3682}" type="datetimeFigureOut">
               <a:rPr lang="en-US" smtClean="0"/>
-              <a:t>15/9/29</a:t>
+              <a:t>15/10/4</a:t>
             </a:fld>
             <a:endParaRPr lang="en-US"/>
           </a:p>
@@ -1055,7 +1055,7 @@
           <a:p>
             <a:fld id="{B0DF8ED1-346A-E940-881F-AA0B60CC3682}" type="datetimeFigureOut">
               <a:rPr lang="en-US" smtClean="0"/>
-              <a:t>15/9/29</a:t>
+              <a:t>15/10/4</a:t>
             </a:fld>
             <a:endParaRPr lang="en-US"/>
           </a:p>
@@ -1343,7 +1343,7 @@
           <a:p>
             <a:fld id="{B0DF8ED1-346A-E940-881F-AA0B60CC3682}" type="datetimeFigureOut">
               <a:rPr lang="en-US" smtClean="0"/>
-              <a:t>15/9/29</a:t>
+              <a:t>15/10/4</a:t>
             </a:fld>
             <a:endParaRPr lang="en-US"/>
           </a:p>
@@ -1765,7 +1765,7 @@
           <a:p>
             <a:fld id="{B0DF8ED1-346A-E940-881F-AA0B60CC3682}" type="datetimeFigureOut">
               <a:rPr lang="en-US" smtClean="0"/>
-              <a:t>15/9/29</a:t>
+              <a:t>15/10/4</a:t>
             </a:fld>
             <a:endParaRPr lang="en-US"/>
           </a:p>
@@ -1883,7 +1883,7 @@
           <a:p>
             <a:fld id="{B0DF8ED1-346A-E940-881F-AA0B60CC3682}" type="datetimeFigureOut">
               <a:rPr lang="en-US" smtClean="0"/>
-              <a:t>15/9/29</a:t>
+              <a:t>15/10/4</a:t>
             </a:fld>
             <a:endParaRPr lang="en-US"/>
           </a:p>
@@ -1978,7 +1978,7 @@
           <a:p>
             <a:fld id="{B0DF8ED1-346A-E940-881F-AA0B60CC3682}" type="datetimeFigureOut">
               <a:rPr lang="en-US" smtClean="0"/>
-              <a:t>15/9/29</a:t>
+              <a:t>15/10/4</a:t>
             </a:fld>
             <a:endParaRPr lang="en-US"/>
           </a:p>
@@ -2255,7 +2255,7 @@
           <a:p>
             <a:fld id="{B0DF8ED1-346A-E940-881F-AA0B60CC3682}" type="datetimeFigureOut">
               <a:rPr lang="en-US" smtClean="0"/>
-              <a:t>15/9/29</a:t>
+              <a:t>15/10/4</a:t>
             </a:fld>
             <a:endParaRPr lang="en-US"/>
           </a:p>
@@ -2508,7 +2508,7 @@
           <a:p>
             <a:fld id="{B0DF8ED1-346A-E940-881F-AA0B60CC3682}" type="datetimeFigureOut">
               <a:rPr lang="en-US" smtClean="0"/>
-              <a:t>15/9/29</a:t>
+              <a:t>15/10/4</a:t>
             </a:fld>
             <a:endParaRPr lang="en-US"/>
           </a:p>
@@ -2721,7 +2721,7 @@
           <a:p>
             <a:fld id="{B0DF8ED1-346A-E940-881F-AA0B60CC3682}" type="datetimeFigureOut">
               <a:rPr lang="en-US" smtClean="0"/>
-              <a:t>15/9/29</a:t>
+              <a:t>15/10/4</a:t>
             </a:fld>
             <a:endParaRPr lang="en-US"/>
           </a:p>
@@ -4849,8 +4849,8 @@
         </p:nvSpPr>
         <p:spPr>
           <a:xfrm>
-            <a:off x="435022" y="4691117"/>
-            <a:ext cx="1152000" cy="576000"/>
+            <a:off x="298090" y="4691118"/>
+            <a:ext cx="1008000" cy="576000"/>
           </a:xfrm>
           <a:prstGeom prst="roundRect">
             <a:avLst/>
@@ -4887,7 +4887,7 @@
           <a:p>
             <a:pPr algn="ctr"/>
             <a:r>
-              <a:rPr lang="zh-CN" altLang="en-US" sz="1600" dirty="0" smtClean="0">
+              <a:rPr lang="zh-CN" altLang="en-US" sz="1500" dirty="0" smtClean="0">
                 <a:solidFill>
                   <a:srgbClr val="000000"/>
                 </a:solidFill>
@@ -4895,15 +4895,37 @@
                 <a:ea typeface="黑体"/>
                 <a:cs typeface="黑体"/>
               </a:rPr>
-              <a:t>精雕机</a:t>
-            </a:r>
-            <a:endParaRPr lang="en-US" sz="1600" dirty="0">
+              <a:t>精雕</a:t>
+            </a:r>
+            <a:r>
+              <a:rPr lang="zh-CN" altLang="en-US" sz="1500" dirty="0" smtClean="0">
+                <a:solidFill>
+                  <a:srgbClr val="000000"/>
+                </a:solidFill>
+                <a:latin typeface="黑体"/>
+                <a:ea typeface="黑体"/>
+                <a:cs typeface="黑体"/>
+              </a:rPr>
+              <a:t>机</a:t>
+            </a:r>
+            <a:r>
+              <a:rPr lang="en-US" altLang="zh-CN" sz="1500" baseline="30000" dirty="0" smtClean="0">
+                <a:solidFill>
+                  <a:srgbClr val="000000"/>
+                </a:solidFill>
+                <a:latin typeface="华文仿宋"/>
+                <a:ea typeface="华文仿宋"/>
+                <a:cs typeface="华文仿宋"/>
+              </a:rPr>
+              <a:t>1,5</a:t>
+            </a:r>
+            <a:endParaRPr lang="en-US" sz="1500" baseline="30000" dirty="0">
               <a:solidFill>
                 <a:srgbClr val="000000"/>
               </a:solidFill>
-              <a:latin typeface="黑体"/>
-              <a:ea typeface="黑体"/>
-              <a:cs typeface="黑体"/>
+              <a:latin typeface="华文仿宋"/>
+              <a:ea typeface="华文仿宋"/>
+              <a:cs typeface="华文仿宋"/>
             </a:endParaRPr>
           </a:p>
         </p:txBody>
@@ -4983,8 +5005,8 @@
         </p:nvSpPr>
         <p:spPr>
           <a:xfrm>
-            <a:off x="1750177" y="4691117"/>
-            <a:ext cx="1296000" cy="576000"/>
+            <a:off x="1451093" y="4691117"/>
+            <a:ext cx="1403998" cy="576000"/>
           </a:xfrm>
           <a:prstGeom prst="roundRect">
             <a:avLst/>
@@ -5021,7 +5043,7 @@
           <a:p>
             <a:pPr algn="ctr"/>
             <a:r>
-              <a:rPr lang="zh-CN" altLang="en-US" sz="1600" dirty="0" smtClean="0">
+              <a:rPr lang="zh-CN" altLang="en-US" sz="1500" dirty="0" smtClean="0">
                 <a:solidFill>
                   <a:srgbClr val="000000"/>
                 </a:solidFill>
@@ -5031,13 +5053,24 @@
               </a:rPr>
               <a:t>沈阳制造岛</a:t>
             </a:r>
-            <a:endParaRPr lang="en-US" sz="1600" dirty="0">
+            <a:r>
+              <a:rPr lang="en-US" altLang="zh-CN" sz="1500" baseline="30000" dirty="0">
+                <a:solidFill>
+                  <a:srgbClr val="000000"/>
+                </a:solidFill>
+                <a:latin typeface="华文仿宋"/>
+                <a:ea typeface="华文仿宋"/>
+                <a:cs typeface="华文仿宋"/>
+              </a:rPr>
+              <a:t>1,5</a:t>
+            </a:r>
+            <a:endParaRPr lang="en-US" sz="1500" baseline="30000" dirty="0">
               <a:solidFill>
                 <a:srgbClr val="000000"/>
               </a:solidFill>
-              <a:latin typeface="黑体"/>
-              <a:ea typeface="黑体"/>
-              <a:cs typeface="黑体"/>
+              <a:latin typeface="华文仿宋"/>
+              <a:ea typeface="华文仿宋"/>
+              <a:cs typeface="华文仿宋"/>
             </a:endParaRPr>
           </a:p>
         </p:txBody>
@@ -5050,8 +5083,8 @@
         </p:nvSpPr>
         <p:spPr>
           <a:xfrm>
-            <a:off x="3209332" y="4691117"/>
-            <a:ext cx="1296000" cy="576000"/>
+            <a:off x="3000094" y="4691117"/>
+            <a:ext cx="1514306" cy="576000"/>
           </a:xfrm>
           <a:prstGeom prst="roundRect">
             <a:avLst/>
@@ -5088,7 +5121,7 @@
           <a:p>
             <a:pPr algn="ctr"/>
             <a:r>
-              <a:rPr lang="zh-CN" altLang="en-US" sz="1600" dirty="0" smtClean="0">
+              <a:rPr lang="zh-CN" altLang="en-US" sz="1500" dirty="0" smtClean="0">
                 <a:solidFill>
                   <a:srgbClr val="000000"/>
                 </a:solidFill>
@@ -5098,7 +5131,129 @@
               </a:rPr>
               <a:t>汽车总装线</a:t>
             </a:r>
-            <a:endParaRPr lang="en-US" sz="1600" dirty="0">
+            <a:r>
+              <a:rPr lang="en-US" altLang="zh-CN" sz="1500" baseline="30000" dirty="0">
+                <a:solidFill>
+                  <a:srgbClr val="000000"/>
+                </a:solidFill>
+                <a:latin typeface="华文仿宋"/>
+                <a:ea typeface="华文仿宋"/>
+                <a:cs typeface="华文仿宋"/>
+              </a:rPr>
+              <a:t>2,3,4</a:t>
+            </a:r>
+            <a:endParaRPr lang="en-US" sz="1500" baseline="30000" dirty="0">
+              <a:solidFill>
+                <a:srgbClr val="000000"/>
+              </a:solidFill>
+              <a:latin typeface="华文仿宋"/>
+              <a:ea typeface="华文仿宋"/>
+              <a:cs typeface="华文仿宋"/>
+            </a:endParaRPr>
+          </a:p>
+        </p:txBody>
+      </p:sp>
+      <p:sp>
+        <p:nvSpPr>
+          <p:cNvPr id="8" name="Rounded Rectangle 7"/>
+          <p:cNvSpPr/>
+          <p:nvPr/>
+        </p:nvSpPr>
+        <p:spPr>
+          <a:xfrm>
+            <a:off x="4629546" y="4691118"/>
+            <a:ext cx="2268000" cy="576000"/>
+          </a:xfrm>
+          <a:prstGeom prst="roundRect">
+            <a:avLst/>
+          </a:prstGeom>
+          <a:solidFill>
+            <a:schemeClr val="bg1">
+              <a:lumMod val="75000"/>
+            </a:schemeClr>
+          </a:solidFill>
+          <a:ln>
+            <a:solidFill>
+              <a:schemeClr val="tx1"/>
+            </a:solidFill>
+          </a:ln>
+          <a:effectLst/>
+        </p:spPr>
+        <p:style>
+          <a:lnRef idx="1">
+            <a:schemeClr val="accent1"/>
+          </a:lnRef>
+          <a:fillRef idx="3">
+            <a:schemeClr val="accent1"/>
+          </a:fillRef>
+          <a:effectRef idx="2">
+            <a:schemeClr val="accent1"/>
+          </a:effectRef>
+          <a:fontRef idx="minor">
+            <a:schemeClr val="lt1"/>
+          </a:fontRef>
+        </p:style>
+        <p:txBody>
+          <a:bodyPr rtlCol="0" anchor="ctr"/>
+          <a:lstStyle/>
+          <a:p>
+            <a:pPr algn="ctr"/>
+            <a:r>
+              <a:rPr lang="zh-CN" altLang="en-US" sz="1500" dirty="0" smtClean="0">
+                <a:solidFill>
+                  <a:srgbClr val="000000"/>
+                </a:solidFill>
+                <a:latin typeface="黑体"/>
+                <a:ea typeface="黑体"/>
+                <a:cs typeface="黑体"/>
+              </a:rPr>
+              <a:t>巨林</a:t>
+            </a:r>
+            <a:r>
+              <a:rPr lang="zh-CN" altLang="en-US" sz="1500" dirty="0" smtClean="0">
+                <a:solidFill>
+                  <a:srgbClr val="000000"/>
+                </a:solidFill>
+                <a:latin typeface="黑体"/>
+                <a:ea typeface="黑体"/>
+                <a:cs typeface="黑体"/>
+              </a:rPr>
+              <a:t>柔性制造岛</a:t>
+            </a:r>
+            <a:r>
+              <a:rPr lang="en-US" altLang="zh-CN" sz="1500" baseline="30000" dirty="0">
+                <a:solidFill>
+                  <a:srgbClr val="000000"/>
+                </a:solidFill>
+                <a:latin typeface="华文仿宋"/>
+                <a:ea typeface="华文仿宋"/>
+                <a:cs typeface="华文仿宋"/>
+              </a:rPr>
+              <a:t>1,2,3</a:t>
+            </a:r>
+            <a:r>
+              <a:rPr lang="zh-CN" altLang="en-US" sz="1500" dirty="0" smtClean="0">
+                <a:solidFill>
+                  <a:srgbClr val="000000"/>
+                </a:solidFill>
+                <a:latin typeface="黑体"/>
+                <a:ea typeface="黑体"/>
+                <a:cs typeface="黑体"/>
+              </a:rPr>
+              <a:t>（</a:t>
+            </a:r>
+            <a:r>
+              <a:rPr lang="zh-CN" altLang="en-US" sz="1500" dirty="0" smtClean="0">
+                <a:solidFill>
+                  <a:srgbClr val="000000"/>
+                </a:solidFill>
+                <a:latin typeface="黑体"/>
+                <a:ea typeface="黑体"/>
+                <a:cs typeface="黑体"/>
+              </a:rPr>
+              <a:t>筹）</a:t>
+            </a:r>
+            <a:endParaRPr lang="en-US" sz="1500" dirty="0">
               <a:solidFill>
                 <a:srgbClr val="000000"/>
               </a:solidFill>
@@ -5111,14 +5266,14 @@
       </p:sp>
       <p:sp>
         <p:nvSpPr>
-          <p:cNvPr id="8" name="Rounded Rectangle 7"/>
+          <p:cNvPr id="9" name="Rounded Rectangle 8"/>
           <p:cNvSpPr/>
           <p:nvPr/>
         </p:nvSpPr>
         <p:spPr>
           <a:xfrm>
-            <a:off x="4668487" y="4691117"/>
-            <a:ext cx="2152953" cy="576000"/>
+            <a:off x="6952542" y="4691117"/>
+            <a:ext cx="1907997" cy="576000"/>
           </a:xfrm>
           <a:prstGeom prst="roundRect">
             <a:avLst/>
@@ -5155,7 +5310,7 @@
           <a:p>
             <a:pPr algn="ctr"/>
             <a:r>
-              <a:rPr lang="zh-CN" altLang="en-US" sz="1600" dirty="0" smtClean="0">
+              <a:rPr lang="zh-CN" altLang="en-US" sz="1500" dirty="0" smtClean="0">
                 <a:solidFill>
                   <a:srgbClr val="000000"/>
                 </a:solidFill>
@@ -5163,66 +5318,10 @@
                 <a:ea typeface="黑体"/>
                 <a:cs typeface="黑体"/>
               </a:rPr>
-              <a:t>巨林柔性制造岛（筹）</a:t>
-            </a:r>
-            <a:endParaRPr lang="en-US" sz="1600" dirty="0">
-              <a:solidFill>
-                <a:srgbClr val="000000"/>
-              </a:solidFill>
-              <a:latin typeface="黑体"/>
-              <a:ea typeface="黑体"/>
-              <a:cs typeface="黑体"/>
-            </a:endParaRPr>
-          </a:p>
-        </p:txBody>
-      </p:sp>
-      <p:sp>
-        <p:nvSpPr>
-          <p:cNvPr id="9" name="Rounded Rectangle 8"/>
-          <p:cNvSpPr/>
-          <p:nvPr/>
-        </p:nvSpPr>
-        <p:spPr>
-          <a:xfrm>
-            <a:off x="6984594" y="4691117"/>
-            <a:ext cx="1728000" cy="576000"/>
-          </a:xfrm>
-          <a:prstGeom prst="roundRect">
-            <a:avLst/>
-          </a:prstGeom>
-          <a:solidFill>
-            <a:schemeClr val="bg1">
-              <a:lumMod val="75000"/>
-            </a:schemeClr>
-          </a:solidFill>
-          <a:ln>
-            <a:solidFill>
-              <a:schemeClr val="tx1"/>
-            </a:solidFill>
-          </a:ln>
-          <a:effectLst/>
-        </p:spPr>
-        <p:style>
-          <a:lnRef idx="1">
-            <a:schemeClr val="accent1"/>
-          </a:lnRef>
-          <a:fillRef idx="3">
-            <a:schemeClr val="accent1"/>
-          </a:fillRef>
-          <a:effectRef idx="2">
-            <a:schemeClr val="accent1"/>
-          </a:effectRef>
-          <a:fontRef idx="minor">
-            <a:schemeClr val="lt1"/>
-          </a:fontRef>
-        </p:style>
-        <p:txBody>
-          <a:bodyPr rtlCol="0" anchor="ctr"/>
-          <a:lstStyle/>
-          <a:p>
-            <a:pPr algn="ctr"/>
-            <a:r>
-              <a:rPr lang="zh-CN" altLang="en-US" sz="1600" dirty="0" smtClean="0">
+              <a:t>巨轮</a:t>
+            </a:r>
+            <a:r>
+              <a:rPr lang="zh-CN" altLang="en-US" sz="1500" dirty="0" smtClean="0">
                 <a:solidFill>
                   <a:srgbClr val="000000"/>
                 </a:solidFill>
@@ -5230,15 +5329,26 @@
                 <a:ea typeface="黑体"/>
                 <a:cs typeface="黑体"/>
               </a:rPr>
-              <a:t>巨轮柔性制造岛</a:t>
-            </a:r>
-            <a:endParaRPr lang="en-US" sz="1600" dirty="0">
+              <a:t>柔性制造岛</a:t>
+            </a:r>
+            <a:r>
+              <a:rPr lang="en-US" altLang="zh-CN" sz="1500" baseline="30000" dirty="0">
+                <a:solidFill>
+                  <a:srgbClr val="000000"/>
+                </a:solidFill>
+                <a:latin typeface="华文仿宋"/>
+                <a:ea typeface="华文仿宋"/>
+                <a:cs typeface="华文仿宋"/>
+              </a:rPr>
+              <a:t>1,2,3</a:t>
+            </a:r>
+            <a:endParaRPr lang="en-US" sz="1500" baseline="30000" dirty="0">
               <a:solidFill>
                 <a:srgbClr val="000000"/>
               </a:solidFill>
-              <a:latin typeface="黑体"/>
-              <a:ea typeface="黑体"/>
-              <a:cs typeface="黑体"/>
+              <a:latin typeface="华文仿宋"/>
+              <a:ea typeface="华文仿宋"/>
+              <a:cs typeface="华文仿宋"/>
             </a:endParaRPr>
           </a:p>
         </p:txBody>
@@ -5251,7 +5361,7 @@
         </p:nvSpPr>
         <p:spPr>
           <a:xfrm>
-            <a:off x="5532109" y="5973213"/>
+            <a:off x="5532110" y="5834100"/>
             <a:ext cx="1296000" cy="576000"/>
           </a:xfrm>
           <a:prstGeom prst="roundRect">
@@ -5289,7 +5399,7 @@
           <a:p>
             <a:pPr algn="ctr"/>
             <a:r>
-              <a:rPr lang="zh-CN" altLang="en-US" sz="1600" dirty="0" smtClean="0">
+              <a:rPr lang="zh-CN" altLang="en-US" sz="1500" dirty="0" smtClean="0">
                 <a:solidFill>
                   <a:srgbClr val="000000"/>
                 </a:solidFill>
@@ -5297,66 +5407,10 @@
                 <a:ea typeface="黑体"/>
                 <a:cs typeface="黑体"/>
               </a:rPr>
-              <a:t>快速成型</a:t>
-            </a:r>
-            <a:endParaRPr lang="en-US" sz="1600" dirty="0">
-              <a:solidFill>
-                <a:srgbClr val="000000"/>
-              </a:solidFill>
-              <a:latin typeface="黑体"/>
-              <a:ea typeface="黑体"/>
-              <a:cs typeface="黑体"/>
-            </a:endParaRPr>
-          </a:p>
-        </p:txBody>
-      </p:sp>
-      <p:sp>
-        <p:nvSpPr>
-          <p:cNvPr id="11" name="Rounded Rectangle 10"/>
-          <p:cNvSpPr/>
-          <p:nvPr/>
-        </p:nvSpPr>
-        <p:spPr>
-          <a:xfrm>
-            <a:off x="435022" y="5973213"/>
-            <a:ext cx="2057593" cy="576000"/>
-          </a:xfrm>
-          <a:prstGeom prst="roundRect">
-            <a:avLst/>
-          </a:prstGeom>
-          <a:solidFill>
-            <a:schemeClr val="bg1">
-              <a:lumMod val="75000"/>
-            </a:schemeClr>
-          </a:solidFill>
-          <a:ln>
-            <a:solidFill>
-              <a:schemeClr val="tx1"/>
-            </a:solidFill>
-          </a:ln>
-          <a:effectLst/>
-        </p:spPr>
-        <p:style>
-          <a:lnRef idx="1">
-            <a:schemeClr val="accent1"/>
-          </a:lnRef>
-          <a:fillRef idx="3">
-            <a:schemeClr val="accent1"/>
-          </a:fillRef>
-          <a:effectRef idx="2">
-            <a:schemeClr val="accent1"/>
-          </a:effectRef>
-          <a:fontRef idx="minor">
-            <a:schemeClr val="lt1"/>
-          </a:fontRef>
-        </p:style>
-        <p:txBody>
-          <a:bodyPr rtlCol="0" anchor="ctr"/>
-          <a:lstStyle/>
-          <a:p>
-            <a:pPr algn="ctr"/>
-            <a:r>
-              <a:rPr lang="zh-CN" altLang="en-US" sz="1600" dirty="0" smtClean="0">
+              <a:t>快速</a:t>
+            </a:r>
+            <a:r>
+              <a:rPr lang="zh-CN" altLang="en-US" sz="1500" dirty="0" smtClean="0">
                 <a:solidFill>
                   <a:srgbClr val="000000"/>
                 </a:solidFill>
@@ -5364,9 +5418,120 @@
                 <a:ea typeface="黑体"/>
                 <a:cs typeface="黑体"/>
               </a:rPr>
-              <a:t>精密制造系统（筹）</a:t>
-            </a:r>
-            <a:endParaRPr lang="en-US" sz="1600" dirty="0">
+              <a:t>成型</a:t>
+            </a:r>
+            <a:r>
+              <a:rPr lang="en-US" altLang="zh-CN" sz="1500" baseline="30000" dirty="0">
+                <a:solidFill>
+                  <a:srgbClr val="000000"/>
+                </a:solidFill>
+                <a:latin typeface="华文仿宋"/>
+                <a:ea typeface="华文仿宋"/>
+                <a:cs typeface="华文仿宋"/>
+              </a:rPr>
+              <a:t>1,5</a:t>
+            </a:r>
+            <a:endParaRPr lang="en-US" sz="1500" baseline="30000" dirty="0">
+              <a:solidFill>
+                <a:srgbClr val="000000"/>
+              </a:solidFill>
+              <a:latin typeface="华文仿宋"/>
+              <a:ea typeface="华文仿宋"/>
+              <a:cs typeface="华文仿宋"/>
+            </a:endParaRPr>
+          </a:p>
+        </p:txBody>
+      </p:sp>
+      <p:sp>
+        <p:nvSpPr>
+          <p:cNvPr id="11" name="Rounded Rectangle 10"/>
+          <p:cNvSpPr/>
+          <p:nvPr/>
+        </p:nvSpPr>
+        <p:spPr>
+          <a:xfrm>
+            <a:off x="435023" y="5834100"/>
+            <a:ext cx="2057593" cy="576000"/>
+          </a:xfrm>
+          <a:prstGeom prst="roundRect">
+            <a:avLst/>
+          </a:prstGeom>
+          <a:solidFill>
+            <a:schemeClr val="bg1">
+              <a:lumMod val="75000"/>
+            </a:schemeClr>
+          </a:solidFill>
+          <a:ln>
+            <a:solidFill>
+              <a:schemeClr val="tx1"/>
+            </a:solidFill>
+          </a:ln>
+          <a:effectLst/>
+        </p:spPr>
+        <p:style>
+          <a:lnRef idx="1">
+            <a:schemeClr val="accent1"/>
+          </a:lnRef>
+          <a:fillRef idx="3">
+            <a:schemeClr val="accent1"/>
+          </a:fillRef>
+          <a:effectRef idx="2">
+            <a:schemeClr val="accent1"/>
+          </a:effectRef>
+          <a:fontRef idx="minor">
+            <a:schemeClr val="lt1"/>
+          </a:fontRef>
+        </p:style>
+        <p:txBody>
+          <a:bodyPr rtlCol="0" anchor="ctr"/>
+          <a:lstStyle/>
+          <a:p>
+            <a:pPr algn="ctr"/>
+            <a:r>
+              <a:rPr lang="zh-CN" altLang="en-US" sz="1500" dirty="0" smtClean="0">
+                <a:solidFill>
+                  <a:srgbClr val="000000"/>
+                </a:solidFill>
+                <a:latin typeface="黑体"/>
+                <a:ea typeface="黑体"/>
+                <a:cs typeface="黑体"/>
+              </a:rPr>
+              <a:t>精密制造系统</a:t>
+            </a:r>
+            <a:r>
+              <a:rPr lang="en-US" altLang="zh-CN" sz="1500" baseline="30000" dirty="0">
+                <a:solidFill>
+                  <a:srgbClr val="000000"/>
+                </a:solidFill>
+                <a:latin typeface="华文仿宋"/>
+                <a:ea typeface="华文仿宋"/>
+                <a:cs typeface="华文仿宋"/>
+              </a:rPr>
+              <a:t>1,5</a:t>
+            </a:r>
+            <a:r>
+              <a:rPr lang="zh-CN" altLang="en-US" sz="1500" dirty="0" smtClean="0">
+                <a:solidFill>
+                  <a:srgbClr val="000000"/>
+                </a:solidFill>
+                <a:latin typeface="黑体"/>
+                <a:ea typeface="黑体"/>
+                <a:cs typeface="黑体"/>
+              </a:rPr>
+              <a:t>（</a:t>
+            </a:r>
+            <a:r>
+              <a:rPr lang="zh-CN" altLang="en-US" sz="1500" dirty="0" smtClean="0">
+                <a:solidFill>
+                  <a:srgbClr val="000000"/>
+                </a:solidFill>
+                <a:latin typeface="黑体"/>
+                <a:ea typeface="黑体"/>
+                <a:cs typeface="黑体"/>
+              </a:rPr>
+              <a:t>筹）</a:t>
+            </a:r>
+            <a:endParaRPr lang="en-US" sz="1500" dirty="0">
               <a:solidFill>
                 <a:srgbClr val="000000"/>
               </a:solidFill>
@@ -5519,7 +5684,7 @@
         </p:nvSpPr>
         <p:spPr>
           <a:xfrm>
-            <a:off x="2788362" y="5973213"/>
+            <a:off x="2788363" y="5834100"/>
             <a:ext cx="2448000" cy="576000"/>
           </a:xfrm>
           <a:prstGeom prst="roundRect">
@@ -5557,7 +5722,7 @@
           <a:p>
             <a:pPr algn="ctr"/>
             <a:r>
-              <a:rPr lang="zh-CN" altLang="en-US" sz="1600" dirty="0" smtClean="0">
+              <a:rPr lang="zh-CN" altLang="en-US" sz="1500" dirty="0" smtClean="0">
                 <a:solidFill>
                   <a:srgbClr val="000000"/>
                 </a:solidFill>
@@ -5565,9 +5730,42 @@
                 <a:ea typeface="黑体"/>
                 <a:cs typeface="黑体"/>
               </a:rPr>
-              <a:t>智能模具制造单元（筹）</a:t>
-            </a:r>
-            <a:endParaRPr lang="en-US" sz="1600" dirty="0">
+              <a:t>智能模具制造单元</a:t>
+            </a:r>
+            <a:r>
+              <a:rPr lang="en-US" altLang="zh-CN" sz="1500" baseline="30000" dirty="0">
+                <a:solidFill>
+                  <a:srgbClr val="000000"/>
+                </a:solidFill>
+                <a:latin typeface="华文仿宋"/>
+                <a:ea typeface="华文仿宋"/>
+                <a:cs typeface="华文仿宋"/>
+              </a:rPr>
+              <a:t>1,5</a:t>
+            </a:r>
+            <a:r>
+              <a:rPr lang="zh-CN" altLang="en-US" sz="1500" dirty="0" smtClean="0">
+                <a:solidFill>
+                  <a:srgbClr val="000000"/>
+                </a:solidFill>
+                <a:latin typeface="黑体"/>
+                <a:ea typeface="黑体"/>
+                <a:cs typeface="黑体"/>
+              </a:rPr>
+              <a:t>（</a:t>
+            </a:r>
+            <a:r>
+              <a:rPr lang="zh-CN" altLang="en-US" sz="1500" dirty="0" smtClean="0">
+                <a:solidFill>
+                  <a:srgbClr val="000000"/>
+                </a:solidFill>
+                <a:latin typeface="黑体"/>
+                <a:ea typeface="黑体"/>
+                <a:cs typeface="黑体"/>
+              </a:rPr>
+              <a:t>筹）</a:t>
+            </a:r>
+            <a:endParaRPr lang="en-US" sz="1500" dirty="0">
               <a:solidFill>
                 <a:srgbClr val="000000"/>
               </a:solidFill>
@@ -5586,7 +5784,7 @@
         </p:nvSpPr>
         <p:spPr>
           <a:xfrm>
-            <a:off x="7123855" y="5973213"/>
+            <a:off x="7123856" y="5834100"/>
             <a:ext cx="1588739" cy="576000"/>
           </a:xfrm>
           <a:prstGeom prst="roundRect">
@@ -5624,7 +5822,7 @@
           <a:p>
             <a:pPr algn="ctr"/>
             <a:r>
-              <a:rPr lang="zh-CN" altLang="en-US" sz="1600" dirty="0" smtClean="0">
+              <a:rPr lang="zh-CN" altLang="en-US" sz="1500" dirty="0" smtClean="0">
                 <a:solidFill>
                   <a:srgbClr val="000000"/>
                 </a:solidFill>
@@ -5632,15 +5830,26 @@
                 <a:ea typeface="黑体"/>
                 <a:cs typeface="黑体"/>
               </a:rPr>
-              <a:t>立体仓库（筹）</a:t>
-            </a:r>
-            <a:endParaRPr lang="en-US" sz="1600" dirty="0">
+              <a:t>立体仓库</a:t>
+            </a:r>
+            <a:r>
+              <a:rPr lang="en-US" altLang="zh-CN" sz="1500" baseline="30000" dirty="0">
+                <a:solidFill>
+                  <a:srgbClr val="000000"/>
+                </a:solidFill>
+                <a:latin typeface="华文仿宋"/>
+                <a:ea typeface="华文仿宋"/>
+                <a:cs typeface="华文仿宋"/>
+              </a:rPr>
+              <a:t>2,3,4</a:t>
+            </a:r>
+            <a:endParaRPr lang="en-US" sz="1500" baseline="30000" dirty="0">
               <a:solidFill>
                 <a:srgbClr val="000000"/>
               </a:solidFill>
-              <a:latin typeface="黑体"/>
-              <a:ea typeface="黑体"/>
-              <a:cs typeface="黑体"/>
+              <a:latin typeface="华文仿宋"/>
+              <a:ea typeface="华文仿宋"/>
+              <a:cs typeface="华文仿宋"/>
             </a:endParaRPr>
           </a:p>
         </p:txBody>
@@ -5815,8 +6024,8 @@
         </p:nvCxnSpPr>
         <p:spPr>
           <a:xfrm rot="5400000" flipH="1" flipV="1">
-            <a:off x="2547082" y="2664391"/>
-            <a:ext cx="490667" cy="3562786"/>
+            <a:off x="2442615" y="2559925"/>
+            <a:ext cx="490668" cy="3771718"/>
           </a:xfrm>
           <a:prstGeom prst="bentConnector3">
             <a:avLst/>
@@ -5861,8 +6070,8 @@
         </p:nvCxnSpPr>
         <p:spPr>
           <a:xfrm rot="5400000" flipH="1" flipV="1">
-            <a:off x="3240659" y="3357969"/>
-            <a:ext cx="490667" cy="2175631"/>
+            <a:off x="3118117" y="3235426"/>
+            <a:ext cx="490667" cy="2420716"/>
           </a:xfrm>
           <a:prstGeom prst="bentConnector3">
             <a:avLst>
@@ -5909,8 +6118,8 @@
         </p:nvCxnSpPr>
         <p:spPr>
           <a:xfrm rot="5400000" flipH="1" flipV="1">
-            <a:off x="3970237" y="4087546"/>
-            <a:ext cx="490667" cy="716476"/>
+            <a:off x="3920194" y="4037504"/>
+            <a:ext cx="490667" cy="816561"/>
           </a:xfrm>
           <a:prstGeom prst="bentConnector3">
             <a:avLst>
@@ -5957,8 +6166,8 @@
         </p:nvCxnSpPr>
         <p:spPr>
           <a:xfrm rot="16200000" flipV="1">
-            <a:off x="4914053" y="3860206"/>
-            <a:ext cx="490667" cy="1171156"/>
+            <a:off x="4923343" y="3850915"/>
+            <a:ext cx="490668" cy="1189738"/>
           </a:xfrm>
           <a:prstGeom prst="bentConnector3">
             <a:avLst>
@@ -6005,8 +6214,8 @@
         </p:nvCxnSpPr>
         <p:spPr>
           <a:xfrm rot="16200000" flipV="1">
-            <a:off x="5965868" y="2808391"/>
-            <a:ext cx="490667" cy="3274786"/>
+            <a:off x="5994842" y="2779417"/>
+            <a:ext cx="490667" cy="3332733"/>
           </a:xfrm>
           <a:prstGeom prst="bentConnector3">
             <a:avLst>
@@ -6053,12 +6262,12 @@
         </p:nvCxnSpPr>
         <p:spPr>
           <a:xfrm rot="16200000" flipV="1">
-            <a:off x="4490578" y="4283681"/>
-            <a:ext cx="1772763" cy="1606301"/>
+            <a:off x="4560134" y="4214124"/>
+            <a:ext cx="1633650" cy="1606302"/>
           </a:xfrm>
           <a:prstGeom prst="bentConnector3">
             <a:avLst>
-              <a:gd name="adj1" fmla="val 21135"/>
+              <a:gd name="adj1" fmla="val 16035"/>
             </a:avLst>
           </a:prstGeom>
           <a:solidFill>
@@ -6101,12 +6310,12 @@
         </p:nvCxnSpPr>
         <p:spPr>
           <a:xfrm rot="5400000" flipH="1" flipV="1">
-            <a:off x="2132432" y="3531838"/>
-            <a:ext cx="1772763" cy="3109989"/>
+            <a:off x="2201989" y="3462281"/>
+            <a:ext cx="1633650" cy="3109988"/>
           </a:xfrm>
           <a:prstGeom prst="bentConnector3">
             <a:avLst>
-              <a:gd name="adj1" fmla="val 21135"/>
+              <a:gd name="adj1" fmla="val 16035"/>
             </a:avLst>
           </a:prstGeom>
           <a:solidFill>
@@ -6149,12 +6358,12 @@
         </p:nvCxnSpPr>
         <p:spPr>
           <a:xfrm rot="5400000" flipH="1" flipV="1">
-            <a:off x="3406704" y="4806109"/>
-            <a:ext cx="1772763" cy="561446"/>
+            <a:off x="3476260" y="4736553"/>
+            <a:ext cx="1633650" cy="561445"/>
           </a:xfrm>
           <a:prstGeom prst="bentConnector3">
             <a:avLst>
-              <a:gd name="adj1" fmla="val 21135"/>
+              <a:gd name="adj1" fmla="val 16035"/>
             </a:avLst>
           </a:prstGeom>
           <a:solidFill>
@@ -6197,12 +6406,12 @@
         </p:nvCxnSpPr>
         <p:spPr>
           <a:xfrm rot="16200000" flipV="1">
-            <a:off x="5359636" y="3414623"/>
-            <a:ext cx="1772763" cy="3344417"/>
+            <a:off x="5429192" y="3345066"/>
+            <a:ext cx="1633650" cy="3344418"/>
           </a:xfrm>
           <a:prstGeom prst="bentConnector3">
             <a:avLst>
-              <a:gd name="adj1" fmla="val 20996"/>
+              <a:gd name="adj1" fmla="val 16035"/>
             </a:avLst>
           </a:prstGeom>
           <a:solidFill>
@@ -6302,8 +6511,8 @@
         </p:blipFill>
         <p:spPr>
           <a:xfrm>
-            <a:off x="2996479" y="6410100"/>
-            <a:ext cx="979583" cy="287999"/>
+            <a:off x="4208701" y="6286371"/>
+            <a:ext cx="841689" cy="247458"/>
           </a:xfrm>
           <a:prstGeom prst="rect">
             <a:avLst/>
@@ -6332,8 +6541,8 @@
         </p:blipFill>
         <p:spPr>
           <a:xfrm>
-            <a:off x="621069" y="5141117"/>
-            <a:ext cx="1057413" cy="252000"/>
+            <a:off x="618332" y="5179660"/>
+            <a:ext cx="604229" cy="143997"/>
           </a:xfrm>
           <a:prstGeom prst="rect">
             <a:avLst/>
@@ -6362,8 +6571,8 @@
         </p:blipFill>
         <p:spPr>
           <a:xfrm>
-            <a:off x="6640782" y="1199483"/>
-            <a:ext cx="1984582" cy="288000"/>
+            <a:off x="6764831" y="1217485"/>
+            <a:ext cx="1736484" cy="251996"/>
           </a:xfrm>
           <a:prstGeom prst="rect">
             <a:avLst/>
@@ -6392,8 +6601,8 @@
         </p:blipFill>
         <p:spPr>
           <a:xfrm>
-            <a:off x="5394064" y="1199483"/>
-            <a:ext cx="1152000" cy="288000"/>
+            <a:off x="5634385" y="1217485"/>
+            <a:ext cx="1007986" cy="251996"/>
           </a:xfrm>
           <a:prstGeom prst="rect">
             <a:avLst/>
@@ -6422,8 +6631,8 @@
         </p:blipFill>
         <p:spPr>
           <a:xfrm>
-            <a:off x="5604110" y="2322807"/>
-            <a:ext cx="1202400" cy="288000"/>
+            <a:off x="5703273" y="2346559"/>
+            <a:ext cx="1004074" cy="240496"/>
           </a:xfrm>
           <a:prstGeom prst="rect">
             <a:avLst/>
@@ -6452,8 +6661,8 @@
         </p:blipFill>
         <p:spPr>
           <a:xfrm>
-            <a:off x="4739361" y="2322807"/>
-            <a:ext cx="754654" cy="288000"/>
+            <a:off x="4801598" y="2346559"/>
+            <a:ext cx="630180" cy="240496"/>
           </a:xfrm>
           <a:prstGeom prst="rect">
             <a:avLst/>
@@ -6482,8 +6691,8 @@
         </p:blipFill>
         <p:spPr>
           <a:xfrm>
-            <a:off x="3513268" y="5159117"/>
-            <a:ext cx="925587" cy="215999"/>
+            <a:off x="3757247" y="5179658"/>
+            <a:ext cx="617057" cy="143999"/>
           </a:xfrm>
           <a:prstGeom prst="rect">
             <a:avLst/>
@@ -7066,10 +7275,148 @@
           </a:p>
         </p:txBody>
       </p:sp>
+      <p:sp>
+        <p:nvSpPr>
+          <p:cNvPr id="24" name="文本框 23"/>
+          <p:cNvSpPr txBox="1"/>
+          <p:nvPr/>
+        </p:nvSpPr>
+        <p:spPr>
+          <a:xfrm>
+            <a:off x="7579290" y="2425085"/>
+            <a:ext cx="1252341" cy="1015663"/>
+          </a:xfrm>
+          <a:prstGeom prst="rect">
+            <a:avLst/>
+          </a:prstGeom>
+          <a:noFill/>
+        </p:spPr>
+        <p:txBody>
+          <a:bodyPr wrap="none" rtlCol="0">
+            <a:spAutoFit/>
+          </a:bodyPr>
+          <a:lstStyle/>
+          <a:p>
+            <a:r>
+              <a:rPr kumimoji="1" lang="en-US" altLang="zh-CN" sz="1200" dirty="0" smtClean="0">
+                <a:latin typeface="华文仿宋"/>
+                <a:ea typeface="华文仿宋"/>
+                <a:cs typeface="华文仿宋"/>
+              </a:rPr>
+              <a:t>1. </a:t>
+            </a:r>
+            <a:r>
+              <a:rPr kumimoji="1" lang="zh-CN" altLang="en-US" sz="1200" dirty="0" smtClean="0">
+                <a:latin typeface="华文仿宋"/>
+                <a:ea typeface="华文仿宋"/>
+                <a:cs typeface="华文仿宋"/>
+              </a:rPr>
+              <a:t>加工单元</a:t>
+            </a:r>
+            <a:endParaRPr kumimoji="1" lang="en-US" altLang="zh-CN" sz="1200" dirty="0" smtClean="0">
+              <a:latin typeface="华文仿宋"/>
+              <a:ea typeface="华文仿宋"/>
+              <a:cs typeface="华文仿宋"/>
+            </a:endParaRPr>
+          </a:p>
+          <a:p>
+            <a:r>
+              <a:rPr kumimoji="1" lang="en-US" altLang="zh-CN" sz="1200" dirty="0" smtClean="0">
+                <a:latin typeface="华文仿宋"/>
+                <a:ea typeface="华文仿宋"/>
+                <a:cs typeface="华文仿宋"/>
+              </a:rPr>
+              <a:t>2. </a:t>
+            </a:r>
+            <a:r>
+              <a:rPr kumimoji="1" lang="zh-CN" altLang="en-US" sz="1200" dirty="0" smtClean="0">
+                <a:latin typeface="华文仿宋"/>
+                <a:ea typeface="华文仿宋"/>
+                <a:cs typeface="华文仿宋"/>
+              </a:rPr>
+              <a:t>机器人单元</a:t>
+            </a:r>
+            <a:endParaRPr kumimoji="1" lang="en-US" altLang="zh-CN" sz="1200" dirty="0" smtClean="0">
+              <a:latin typeface="华文仿宋"/>
+              <a:ea typeface="华文仿宋"/>
+              <a:cs typeface="华文仿宋"/>
+            </a:endParaRPr>
+          </a:p>
+          <a:p>
+            <a:r>
+              <a:rPr kumimoji="1" lang="en-US" altLang="zh-CN" sz="1200" dirty="0" smtClean="0">
+                <a:latin typeface="华文仿宋"/>
+                <a:ea typeface="华文仿宋"/>
+                <a:cs typeface="华文仿宋"/>
+              </a:rPr>
+              <a:t>3. </a:t>
+            </a:r>
+            <a:r>
+              <a:rPr kumimoji="1" lang="zh-CN" altLang="en-US" sz="1200" dirty="0" smtClean="0">
+                <a:latin typeface="华文仿宋"/>
+                <a:ea typeface="华文仿宋"/>
+                <a:cs typeface="华文仿宋"/>
+              </a:rPr>
+              <a:t>库存单元</a:t>
+            </a:r>
+            <a:endParaRPr kumimoji="1" lang="en-US" altLang="zh-CN" sz="1200" dirty="0" smtClean="0">
+              <a:latin typeface="华文仿宋"/>
+              <a:ea typeface="华文仿宋"/>
+              <a:cs typeface="华文仿宋"/>
+            </a:endParaRPr>
+          </a:p>
+          <a:p>
+            <a:r>
+              <a:rPr kumimoji="1" lang="en-US" altLang="zh-CN" sz="1200" dirty="0" smtClean="0">
+                <a:latin typeface="华文仿宋"/>
+                <a:ea typeface="华文仿宋"/>
+                <a:cs typeface="华文仿宋"/>
+              </a:rPr>
+              <a:t>4. </a:t>
+            </a:r>
+            <a:r>
+              <a:rPr kumimoji="1" lang="zh-CN" altLang="en-US" sz="1200" dirty="0" smtClean="0">
+                <a:latin typeface="华文仿宋"/>
+                <a:ea typeface="华文仿宋"/>
+                <a:cs typeface="华文仿宋"/>
+              </a:rPr>
+              <a:t>工业控制单元</a:t>
+            </a:r>
+            <a:endParaRPr kumimoji="1" lang="en-US" altLang="zh-CN" sz="1200" dirty="0" smtClean="0">
+              <a:latin typeface="华文仿宋"/>
+              <a:ea typeface="华文仿宋"/>
+              <a:cs typeface="华文仿宋"/>
+            </a:endParaRPr>
+          </a:p>
+          <a:p>
+            <a:r>
+              <a:rPr kumimoji="1" lang="en-US" altLang="zh-CN" sz="1200" dirty="0" smtClean="0">
+                <a:latin typeface="华文仿宋"/>
+                <a:ea typeface="华文仿宋"/>
+                <a:cs typeface="华文仿宋"/>
+              </a:rPr>
+              <a:t>5. </a:t>
+            </a:r>
+            <a:r>
+              <a:rPr kumimoji="1" lang="zh-CN" altLang="en-US" sz="1200" dirty="0" smtClean="0">
+                <a:latin typeface="华文仿宋"/>
+                <a:ea typeface="华文仿宋"/>
+                <a:cs typeface="华文仿宋"/>
+              </a:rPr>
+              <a:t>工业测量单元</a:t>
+            </a:r>
+            <a:endParaRPr kumimoji="1" lang="en-US" altLang="zh-CN" sz="1200" dirty="0" smtClean="0">
+              <a:latin typeface="华文仿宋"/>
+              <a:ea typeface="华文仿宋"/>
+              <a:cs typeface="华文仿宋"/>
+            </a:endParaRPr>
+          </a:p>
+        </p:txBody>
+      </p:sp>
     </p:spTree>
     <p:extLst>
       <p:ext uri="{BB962C8B-B14F-4D97-AF65-F5344CB8AC3E}">
-        <p14:creationId xmlns:p14="http://schemas.microsoft.com/office/powerpoint/2010/main" val="2822349563"/>
+        <p14:creationId xmlns:p14="http://schemas.microsoft.com/office/powerpoint/2010/main" val="1267214890"/>
       </p:ext>
     </p:extLst>
   </p:cSld>
